--- a/11. Others/A. PPTs/J2EE Introduction.pptx
+++ b/11. Others/A. PPTs/J2EE Introduction.pptx
@@ -5,7 +5,7 @@
     <p:sldMasterId id="2147483648" r:id="rId1"/>
   </p:sldMasterIdLst>
   <p:notesMasterIdLst>
-    <p:notesMasterId r:id="rId8"/>
+    <p:notesMasterId r:id="rId10"/>
   </p:notesMasterIdLst>
   <p:sldIdLst>
     <p:sldId id="310" r:id="rId2"/>
@@ -14,6 +14,8 @@
     <p:sldId id="292" r:id="rId5"/>
     <p:sldId id="313" r:id="rId6"/>
     <p:sldId id="314" r:id="rId7"/>
+    <p:sldId id="315" r:id="rId8"/>
+    <p:sldId id="316" r:id="rId9"/>
   </p:sldIdLst>
   <p:sldSz cx="9144000" cy="6858000" type="screen4x3"/>
   <p:notesSz cx="6858000" cy="9144000"/>
@@ -158,6 +160,7 @@
   </mc:AlternateContent>
   <c:chart>
     <c:title>
+      <c:layout/>
       <c:overlay val="0"/>
       <c:spPr>
         <a:noFill/>
@@ -319,7 +322,9 @@
               </c:spPr>
             </c:leaderLines>
             <c:extLst>
-              <c:ext xmlns:c15="http://schemas.microsoft.com/office/drawing/2012/chart" uri="{CE6537A1-D6FC-4f65-9D91-7224C49458BB}"/>
+              <c:ext xmlns:c15="http://schemas.microsoft.com/office/drawing/2012/chart" uri="{CE6537A1-D6FC-4f65-9D91-7224C49458BB}">
+                <c15:layout/>
+              </c:ext>
             </c:extLst>
           </c:dLbls>
           <c:cat>
@@ -380,6 +385,7 @@
     </c:plotArea>
     <c:legend>
       <c:legendPos val="b"/>
+      <c:layout/>
       <c:overlay val="0"/>
       <c:spPr>
         <a:noFill/>
@@ -1077,7 +1083,7 @@
           <a:p>
             <a:fld id="{4D5E6690-03A7-49E8-BBE8-9FAB747999F4}" type="datetimeFigureOut">
               <a:rPr lang="en-US" smtClean="0"/>
-              <a:t>1/17/2016</a:t>
+              <a:t>11/23/2017</a:t>
             </a:fld>
             <a:endParaRPr lang="en-US"/>
           </a:p>
@@ -1345,6 +1351,95 @@
 </p:notesMaster>
 </file>
 
+<file path=ppt/notesSlides/notesSlide1.xml><?xml version="1.0" encoding="utf-8"?>
+<p:notes xmlns:a="http://schemas.openxmlformats.org/drawingml/2006/main" xmlns:r="http://schemas.openxmlformats.org/officeDocument/2006/relationships" xmlns:p="http://schemas.openxmlformats.org/presentationml/2006/main">
+  <p:cSld>
+    <p:spTree>
+      <p:nvGrpSpPr>
+        <p:cNvPr id="1" name=""/>
+        <p:cNvGrpSpPr/>
+        <p:nvPr/>
+      </p:nvGrpSpPr>
+      <p:grpSpPr>
+        <a:xfrm>
+          <a:off x="0" y="0"/>
+          <a:ext cx="0" cy="0"/>
+          <a:chOff x="0" y="0"/>
+          <a:chExt cx="0" cy="0"/>
+        </a:xfrm>
+      </p:grpSpPr>
+      <p:sp>
+        <p:nvSpPr>
+          <p:cNvPr id="2" name="Slide Image Placeholder 1"/>
+          <p:cNvSpPr>
+            <a:spLocks noGrp="1" noRot="1" noChangeAspect="1"/>
+          </p:cNvSpPr>
+          <p:nvPr>
+            <p:ph type="sldImg"/>
+          </p:nvPr>
+        </p:nvSpPr>
+        <p:spPr>
+          <a:xfrm>
+            <a:off x="1371600" y="1143000"/>
+            <a:ext cx="4116388" cy="3086100"/>
+          </a:xfrm>
+        </p:spPr>
+      </p:sp>
+      <p:sp>
+        <p:nvSpPr>
+          <p:cNvPr id="3" name="Notes Placeholder 2"/>
+          <p:cNvSpPr>
+            <a:spLocks noGrp="1"/>
+          </p:cNvSpPr>
+          <p:nvPr>
+            <p:ph type="body" idx="1"/>
+          </p:nvPr>
+        </p:nvSpPr>
+        <p:spPr/>
+        <p:txBody>
+          <a:bodyPr/>
+          <a:lstStyle/>
+          <a:p>
+            <a:endParaRPr lang="en-US" dirty="0"/>
+          </a:p>
+        </p:txBody>
+      </p:sp>
+      <p:sp>
+        <p:nvSpPr>
+          <p:cNvPr id="4" name="Slide Number Placeholder 3"/>
+          <p:cNvSpPr>
+            <a:spLocks noGrp="1"/>
+          </p:cNvSpPr>
+          <p:nvPr>
+            <p:ph type="sldNum" sz="quarter" idx="10"/>
+          </p:nvPr>
+        </p:nvSpPr>
+        <p:spPr/>
+        <p:txBody>
+          <a:bodyPr/>
+          <a:lstStyle/>
+          <a:p>
+            <a:fld id="{2AC983BF-1AEB-43D3-9525-3579759B6A5B}" type="slidenum">
+              <a:rPr lang="en-US" smtClean="0"/>
+              <a:t>7</a:t>
+            </a:fld>
+            <a:endParaRPr lang="en-US"/>
+          </a:p>
+        </p:txBody>
+      </p:sp>
+    </p:spTree>
+    <p:extLst>
+      <p:ext uri="{BB962C8B-B14F-4D97-AF65-F5344CB8AC3E}">
+        <p14:creationId xmlns:p14="http://schemas.microsoft.com/office/powerpoint/2010/main" val="2383615844"/>
+      </p:ext>
+    </p:extLst>
+  </p:cSld>
+  <p:clrMapOvr>
+    <a:masterClrMapping/>
+  </p:clrMapOvr>
+</p:notes>
+</file>
+
 <file path=ppt/slideLayouts/slideLayout1.xml><?xml version="1.0" encoding="utf-8"?>
 <p:sldLayout xmlns:a="http://schemas.openxmlformats.org/drawingml/2006/main" xmlns:r="http://schemas.openxmlformats.org/officeDocument/2006/relationships" xmlns:p="http://schemas.openxmlformats.org/presentationml/2006/main" type="title" preserve="1">
   <p:cSld name="Title Slide">
@@ -1526,7 +1621,7 @@
           <a:p>
             <a:fld id="{F91BD43F-C672-4ED4-8CF3-4F6C72EB09E5}" type="datetimeFigureOut">
               <a:rPr lang="en-IN" smtClean="0"/>
-              <a:t>17-01-2016</a:t>
+              <a:t>23-11-2017</a:t>
             </a:fld>
             <a:endParaRPr lang="en-IN" dirty="0"/>
           </a:p>
@@ -1696,7 +1791,7 @@
           <a:p>
             <a:fld id="{F91BD43F-C672-4ED4-8CF3-4F6C72EB09E5}" type="datetimeFigureOut">
               <a:rPr lang="en-IN" smtClean="0"/>
-              <a:t>17-01-2016</a:t>
+              <a:t>23-11-2017</a:t>
             </a:fld>
             <a:endParaRPr lang="en-IN" dirty="0"/>
           </a:p>
@@ -1876,7 +1971,7 @@
           <a:p>
             <a:fld id="{F91BD43F-C672-4ED4-8CF3-4F6C72EB09E5}" type="datetimeFigureOut">
               <a:rPr lang="en-IN" smtClean="0"/>
-              <a:t>17-01-2016</a:t>
+              <a:t>23-11-2017</a:t>
             </a:fld>
             <a:endParaRPr lang="en-IN" dirty="0"/>
           </a:p>
@@ -2046,7 +2141,7 @@
           <a:p>
             <a:fld id="{F91BD43F-C672-4ED4-8CF3-4F6C72EB09E5}" type="datetimeFigureOut">
               <a:rPr lang="en-IN" smtClean="0"/>
-              <a:t>17-01-2016</a:t>
+              <a:t>23-11-2017</a:t>
             </a:fld>
             <a:endParaRPr lang="en-IN" dirty="0"/>
           </a:p>
@@ -2292,7 +2387,7 @@
           <a:p>
             <a:fld id="{F91BD43F-C672-4ED4-8CF3-4F6C72EB09E5}" type="datetimeFigureOut">
               <a:rPr lang="en-IN" smtClean="0"/>
-              <a:t>17-01-2016</a:t>
+              <a:t>23-11-2017</a:t>
             </a:fld>
             <a:endParaRPr lang="en-IN" dirty="0"/>
           </a:p>
@@ -2580,7 +2675,7 @@
           <a:p>
             <a:fld id="{F91BD43F-C672-4ED4-8CF3-4F6C72EB09E5}" type="datetimeFigureOut">
               <a:rPr lang="en-IN" smtClean="0"/>
-              <a:t>17-01-2016</a:t>
+              <a:t>23-11-2017</a:t>
             </a:fld>
             <a:endParaRPr lang="en-IN" dirty="0"/>
           </a:p>
@@ -3002,7 +3097,7 @@
           <a:p>
             <a:fld id="{F91BD43F-C672-4ED4-8CF3-4F6C72EB09E5}" type="datetimeFigureOut">
               <a:rPr lang="en-IN" smtClean="0"/>
-              <a:t>17-01-2016</a:t>
+              <a:t>23-11-2017</a:t>
             </a:fld>
             <a:endParaRPr lang="en-IN" dirty="0"/>
           </a:p>
@@ -3120,7 +3215,7 @@
           <a:p>
             <a:fld id="{F91BD43F-C672-4ED4-8CF3-4F6C72EB09E5}" type="datetimeFigureOut">
               <a:rPr lang="en-IN" smtClean="0"/>
-              <a:t>17-01-2016</a:t>
+              <a:t>23-11-2017</a:t>
             </a:fld>
             <a:endParaRPr lang="en-IN" dirty="0"/>
           </a:p>
@@ -3215,7 +3310,7 @@
           <a:p>
             <a:fld id="{F91BD43F-C672-4ED4-8CF3-4F6C72EB09E5}" type="datetimeFigureOut">
               <a:rPr lang="en-IN" smtClean="0"/>
-              <a:t>17-01-2016</a:t>
+              <a:t>23-11-2017</a:t>
             </a:fld>
             <a:endParaRPr lang="en-IN" dirty="0"/>
           </a:p>
@@ -3492,7 +3587,7 @@
           <a:p>
             <a:fld id="{F91BD43F-C672-4ED4-8CF3-4F6C72EB09E5}" type="datetimeFigureOut">
               <a:rPr lang="en-IN" smtClean="0"/>
-              <a:t>17-01-2016</a:t>
+              <a:t>23-11-2017</a:t>
             </a:fld>
             <a:endParaRPr lang="en-IN" dirty="0"/>
           </a:p>
@@ -3745,7 +3840,7 @@
           <a:p>
             <a:fld id="{F91BD43F-C672-4ED4-8CF3-4F6C72EB09E5}" type="datetimeFigureOut">
               <a:rPr lang="en-IN" smtClean="0"/>
-              <a:t>17-01-2016</a:t>
+              <a:t>23-11-2017</a:t>
             </a:fld>
             <a:endParaRPr lang="en-IN" dirty="0"/>
           </a:p>
@@ -3958,7 +4053,7 @@
           <a:p>
             <a:fld id="{F91BD43F-C672-4ED4-8CF3-4F6C72EB09E5}" type="datetimeFigureOut">
               <a:rPr lang="en-IN" smtClean="0"/>
-              <a:t>17-01-2016</a:t>
+              <a:t>23-11-2017</a:t>
             </a:fld>
             <a:endParaRPr lang="en-IN" dirty="0"/>
           </a:p>
@@ -7395,6 +7490,3374 @@
     <p:extLst>
       <p:ext uri="{BB962C8B-B14F-4D97-AF65-F5344CB8AC3E}">
         <p14:creationId xmlns:p14="http://schemas.microsoft.com/office/powerpoint/2010/main" val="931854433"/>
+      </p:ext>
+    </p:extLst>
+  </p:cSld>
+  <p:clrMapOvr>
+    <a:masterClrMapping/>
+  </p:clrMapOvr>
+  <p:timing>
+    <p:tnLst>
+      <p:par>
+        <p:cTn id="1" dur="indefinite" restart="never" nodeType="tmRoot"/>
+      </p:par>
+    </p:tnLst>
+  </p:timing>
+</p:sld>
+</file>
+
+<file path=ppt/slides/slide7.xml><?xml version="1.0" encoding="utf-8"?>
+<p:sld xmlns:a="http://schemas.openxmlformats.org/drawingml/2006/main" xmlns:r="http://schemas.openxmlformats.org/officeDocument/2006/relationships" xmlns:p="http://schemas.openxmlformats.org/presentationml/2006/main">
+  <p:cSld>
+    <p:spTree>
+      <p:nvGrpSpPr>
+        <p:cNvPr id="1" name=""/>
+        <p:cNvGrpSpPr/>
+        <p:nvPr/>
+      </p:nvGrpSpPr>
+      <p:grpSpPr>
+        <a:xfrm>
+          <a:off x="0" y="0"/>
+          <a:ext cx="0" cy="0"/>
+          <a:chOff x="0" y="0"/>
+          <a:chExt cx="0" cy="0"/>
+        </a:xfrm>
+      </p:grpSpPr>
+      <p:sp>
+        <p:nvSpPr>
+          <p:cNvPr id="5" name="Rectangle 4"/>
+          <p:cNvSpPr/>
+          <p:nvPr/>
+        </p:nvSpPr>
+        <p:spPr>
+          <a:xfrm>
+            <a:off x="251521" y="162609"/>
+            <a:ext cx="1368153" cy="504057"/>
+          </a:xfrm>
+          <a:prstGeom prst="rect">
+            <a:avLst/>
+          </a:prstGeom>
+        </p:spPr>
+        <p:style>
+          <a:lnRef idx="2">
+            <a:schemeClr val="accent1">
+              <a:shade val="50000"/>
+            </a:schemeClr>
+          </a:lnRef>
+          <a:fillRef idx="1">
+            <a:schemeClr val="accent1"/>
+          </a:fillRef>
+          <a:effectRef idx="0">
+            <a:schemeClr val="accent1"/>
+          </a:effectRef>
+          <a:fontRef idx="minor">
+            <a:schemeClr val="lt1"/>
+          </a:fontRef>
+        </p:style>
+        <p:txBody>
+          <a:bodyPr rtlCol="0" anchor="ctr"/>
+          <a:lstStyle/>
+          <a:p>
+            <a:pPr algn="ctr"/>
+            <a:r>
+              <a:rPr lang="en-US" sz="1801" b="1" dirty="0"/>
+              <a:t>Client </a:t>
+            </a:r>
+            <a:r>
+              <a:rPr lang="en-US" sz="1801" b="1" dirty="0" smtClean="0"/>
+              <a:t>Tier</a:t>
+            </a:r>
+            <a:endParaRPr lang="en-US" sz="1801" b="1" dirty="0"/>
+          </a:p>
+        </p:txBody>
+      </p:sp>
+      <p:sp>
+        <p:nvSpPr>
+          <p:cNvPr id="6" name="Rectangle 5"/>
+          <p:cNvSpPr/>
+          <p:nvPr/>
+        </p:nvSpPr>
+        <p:spPr>
+          <a:xfrm>
+            <a:off x="3239854" y="162609"/>
+            <a:ext cx="2052226" cy="504057"/>
+          </a:xfrm>
+          <a:prstGeom prst="rect">
+            <a:avLst/>
+          </a:prstGeom>
+        </p:spPr>
+        <p:style>
+          <a:lnRef idx="2">
+            <a:schemeClr val="accent1">
+              <a:shade val="50000"/>
+            </a:schemeClr>
+          </a:lnRef>
+          <a:fillRef idx="1">
+            <a:schemeClr val="accent1"/>
+          </a:fillRef>
+          <a:effectRef idx="0">
+            <a:schemeClr val="accent1"/>
+          </a:effectRef>
+          <a:fontRef idx="minor">
+            <a:schemeClr val="lt1"/>
+          </a:fontRef>
+        </p:style>
+        <p:txBody>
+          <a:bodyPr rtlCol="0" anchor="ctr"/>
+          <a:lstStyle/>
+          <a:p>
+            <a:pPr algn="ctr"/>
+            <a:r>
+              <a:rPr lang="en-US" sz="1801" b="1" dirty="0"/>
+              <a:t>Business </a:t>
+            </a:r>
+            <a:r>
+              <a:rPr lang="en-US" sz="1801" b="1" dirty="0" smtClean="0"/>
+              <a:t>Logic Tier</a:t>
+            </a:r>
+            <a:endParaRPr lang="en-US" sz="1801" b="1" dirty="0"/>
+          </a:p>
+        </p:txBody>
+      </p:sp>
+      <p:sp>
+        <p:nvSpPr>
+          <p:cNvPr id="7" name="Rectangle 6"/>
+          <p:cNvSpPr/>
+          <p:nvPr/>
+        </p:nvSpPr>
+        <p:spPr>
+          <a:xfrm>
+            <a:off x="7398458" y="162609"/>
+            <a:ext cx="1584176" cy="504057"/>
+          </a:xfrm>
+          <a:prstGeom prst="rect">
+            <a:avLst/>
+          </a:prstGeom>
+        </p:spPr>
+        <p:style>
+          <a:lnRef idx="2">
+            <a:schemeClr val="accent1">
+              <a:shade val="50000"/>
+            </a:schemeClr>
+          </a:lnRef>
+          <a:fillRef idx="1">
+            <a:schemeClr val="accent1"/>
+          </a:fillRef>
+          <a:effectRef idx="0">
+            <a:schemeClr val="accent1"/>
+          </a:effectRef>
+          <a:fontRef idx="minor">
+            <a:schemeClr val="lt1"/>
+          </a:fontRef>
+        </p:style>
+        <p:txBody>
+          <a:bodyPr rtlCol="0" anchor="ctr"/>
+          <a:lstStyle/>
+          <a:p>
+            <a:pPr algn="ctr"/>
+            <a:r>
+              <a:rPr lang="en-US" sz="1801" b="1" dirty="0" smtClean="0"/>
+              <a:t>Data Tier</a:t>
+            </a:r>
+            <a:endParaRPr lang="en-US" sz="1801" b="1" dirty="0"/>
+          </a:p>
+        </p:txBody>
+      </p:sp>
+      <p:sp>
+        <p:nvSpPr>
+          <p:cNvPr id="9" name="TextBox 8"/>
+          <p:cNvSpPr txBox="1"/>
+          <p:nvPr/>
+        </p:nvSpPr>
+        <p:spPr>
+          <a:xfrm>
+            <a:off x="379783" y="3340645"/>
+            <a:ext cx="1272849" cy="646587"/>
+          </a:xfrm>
+          <a:prstGeom prst="rect">
+            <a:avLst/>
+          </a:prstGeom>
+          <a:noFill/>
+        </p:spPr>
+        <p:txBody>
+          <a:bodyPr wrap="none" rtlCol="0">
+            <a:spAutoFit/>
+          </a:bodyPr>
+          <a:lstStyle/>
+          <a:p>
+            <a:r>
+              <a:rPr lang="en-US" sz="1801" b="1" dirty="0" smtClean="0"/>
+              <a:t>Browser</a:t>
+            </a:r>
+          </a:p>
+          <a:p>
+            <a:r>
+              <a:rPr lang="en-US" sz="1801" b="1" dirty="0" smtClean="0"/>
+              <a:t>Application</a:t>
+            </a:r>
+            <a:endParaRPr lang="en-US" sz="1801" b="1" dirty="0"/>
+          </a:p>
+        </p:txBody>
+      </p:sp>
+      <p:sp>
+        <p:nvSpPr>
+          <p:cNvPr id="10" name="Rounded Rectangle 9"/>
+          <p:cNvSpPr/>
+          <p:nvPr/>
+        </p:nvSpPr>
+        <p:spPr>
+          <a:xfrm>
+            <a:off x="2987824" y="1481274"/>
+            <a:ext cx="2304256" cy="4464496"/>
+          </a:xfrm>
+          <a:prstGeom prst="roundRect">
+            <a:avLst/>
+          </a:prstGeom>
+        </p:spPr>
+        <p:style>
+          <a:lnRef idx="2">
+            <a:schemeClr val="accent1"/>
+          </a:lnRef>
+          <a:fillRef idx="1">
+            <a:schemeClr val="lt1"/>
+          </a:fillRef>
+          <a:effectRef idx="0">
+            <a:schemeClr val="accent1"/>
+          </a:effectRef>
+          <a:fontRef idx="minor">
+            <a:schemeClr val="dk1"/>
+          </a:fontRef>
+        </p:style>
+        <p:txBody>
+          <a:bodyPr rtlCol="0" anchor="ctr"/>
+          <a:lstStyle/>
+          <a:p>
+            <a:pPr algn="ctr"/>
+            <a:endParaRPr lang="en-US" sz="1801" dirty="0"/>
+          </a:p>
+          <a:p>
+            <a:pPr algn="ctr"/>
+            <a:endParaRPr lang="en-US" sz="1801" dirty="0"/>
+          </a:p>
+          <a:p>
+            <a:pPr algn="ctr"/>
+            <a:endParaRPr lang="en-US" sz="1801" dirty="0"/>
+          </a:p>
+          <a:p>
+            <a:pPr algn="ctr"/>
+            <a:endParaRPr lang="en-US" sz="1801" dirty="0"/>
+          </a:p>
+          <a:p>
+            <a:pPr algn="ctr"/>
+            <a:r>
+              <a:rPr lang="en-US" sz="1801" dirty="0" smtClean="0"/>
+              <a:t>  </a:t>
+            </a:r>
+            <a:r>
+              <a:rPr lang="en-US" sz="1801" b="1" dirty="0" smtClean="0"/>
+              <a:t>Web </a:t>
+            </a:r>
+            <a:r>
+              <a:rPr lang="en-US" sz="1801" b="1" dirty="0"/>
+              <a:t>Application </a:t>
+            </a:r>
+            <a:r>
+              <a:rPr lang="en-US" sz="1801" dirty="0"/>
+              <a:t>D</a:t>
+            </a:r>
+            <a:r>
+              <a:rPr lang="en-US" sz="1801" dirty="0" smtClean="0"/>
+              <a:t>eveloped using </a:t>
+            </a:r>
+            <a:r>
+              <a:rPr lang="en-US" sz="1801" dirty="0"/>
+              <a:t>J2EE API’s such as</a:t>
+            </a:r>
+          </a:p>
+          <a:p>
+            <a:pPr marL="800110" lvl="1" indent="-342904">
+              <a:buAutoNum type="arabicPeriod"/>
+            </a:pPr>
+            <a:r>
+              <a:rPr lang="en-US" sz="1801" dirty="0"/>
+              <a:t>JDBC</a:t>
+            </a:r>
+          </a:p>
+          <a:p>
+            <a:pPr marL="800110" lvl="1" indent="-342904">
+              <a:buAutoNum type="arabicPeriod"/>
+            </a:pPr>
+            <a:r>
+              <a:rPr lang="en-US" sz="1801" dirty="0"/>
+              <a:t>Servlets</a:t>
+            </a:r>
+          </a:p>
+          <a:p>
+            <a:pPr marL="800110" lvl="1" indent="-342904">
+              <a:buAutoNum type="arabicPeriod"/>
+            </a:pPr>
+            <a:r>
+              <a:rPr lang="en-US" sz="1801" dirty="0"/>
+              <a:t>JSP</a:t>
+            </a:r>
+          </a:p>
+          <a:p>
+            <a:pPr marL="800110" lvl="1" indent="-342904">
+              <a:buAutoNum type="arabicPeriod"/>
+            </a:pPr>
+            <a:r>
+              <a:rPr lang="en-US" sz="1801" dirty="0"/>
+              <a:t>Java Mail</a:t>
+            </a:r>
+          </a:p>
+          <a:p>
+            <a:pPr marL="800110" lvl="1" indent="-342904">
+              <a:buAutoNum type="arabicPeriod"/>
+            </a:pPr>
+            <a:r>
+              <a:rPr lang="en-US" sz="1801" dirty="0"/>
+              <a:t>etc.,</a:t>
+            </a:r>
+          </a:p>
+        </p:txBody>
+      </p:sp>
+      <p:pic>
+        <p:nvPicPr>
+          <p:cNvPr id="11" name="Picture 10"/>
+          <p:cNvPicPr>
+            <a:picLocks noChangeAspect="1"/>
+          </p:cNvPicPr>
+          <p:nvPr/>
+        </p:nvPicPr>
+        <p:blipFill>
+          <a:blip r:embed="rId3">
+            <a:extLst>
+              <a:ext uri="{28A0092B-C50C-407E-A947-70E740481C1C}">
+                <a14:useLocalDpi xmlns:a14="http://schemas.microsoft.com/office/drawing/2010/main" val="0"/>
+              </a:ext>
+            </a:extLst>
+          </a:blip>
+          <a:stretch>
+            <a:fillRect/>
+          </a:stretch>
+        </p:blipFill>
+        <p:spPr>
+          <a:xfrm>
+            <a:off x="4573186" y="936567"/>
+            <a:ext cx="819049" cy="1552380"/>
+          </a:xfrm>
+          <a:prstGeom prst="rect">
+            <a:avLst/>
+          </a:prstGeom>
+        </p:spPr>
+      </p:pic>
+      <p:sp>
+        <p:nvSpPr>
+          <p:cNvPr id="25" name="TextBox 24"/>
+          <p:cNvSpPr txBox="1"/>
+          <p:nvPr/>
+        </p:nvSpPr>
+        <p:spPr>
+          <a:xfrm>
+            <a:off x="3233911" y="1539113"/>
+            <a:ext cx="1193339" cy="923714"/>
+          </a:xfrm>
+          <a:prstGeom prst="rect">
+            <a:avLst/>
+          </a:prstGeom>
+          <a:noFill/>
+        </p:spPr>
+        <p:txBody>
+          <a:bodyPr wrap="none" rtlCol="0">
+            <a:spAutoFit/>
+          </a:bodyPr>
+          <a:lstStyle/>
+          <a:p>
+            <a:pPr algn="ctr"/>
+            <a:r>
+              <a:rPr lang="en-US" sz="1801" b="1" dirty="0">
+                <a:solidFill>
+                  <a:schemeClr val="accent3">
+                    <a:lumMod val="50000"/>
+                  </a:schemeClr>
+                </a:solidFill>
+              </a:rPr>
+              <a:t>Computer </a:t>
+            </a:r>
+          </a:p>
+          <a:p>
+            <a:pPr algn="ctr"/>
+            <a:r>
+              <a:rPr lang="en-US" sz="1801" b="1" dirty="0">
+                <a:solidFill>
+                  <a:schemeClr val="accent3">
+                    <a:lumMod val="50000"/>
+                  </a:schemeClr>
+                </a:solidFill>
+              </a:rPr>
+              <a:t>OR</a:t>
+            </a:r>
+          </a:p>
+          <a:p>
+            <a:pPr algn="ctr"/>
+            <a:r>
+              <a:rPr lang="en-US" sz="1801" b="1" dirty="0">
+                <a:solidFill>
+                  <a:schemeClr val="accent3">
+                    <a:lumMod val="50000"/>
+                  </a:schemeClr>
+                </a:solidFill>
+              </a:rPr>
+              <a:t>Server</a:t>
+            </a:r>
+          </a:p>
+        </p:txBody>
+      </p:sp>
+      <p:sp>
+        <p:nvSpPr>
+          <p:cNvPr id="15" name="Rounded Rectangle 14"/>
+          <p:cNvSpPr/>
+          <p:nvPr/>
+        </p:nvSpPr>
+        <p:spPr>
+          <a:xfrm>
+            <a:off x="6877442" y="1390391"/>
+            <a:ext cx="2144521" cy="4555378"/>
+          </a:xfrm>
+          <a:prstGeom prst="roundRect">
+            <a:avLst/>
+          </a:prstGeom>
+        </p:spPr>
+        <p:style>
+          <a:lnRef idx="2">
+            <a:schemeClr val="accent1"/>
+          </a:lnRef>
+          <a:fillRef idx="1">
+            <a:schemeClr val="lt1"/>
+          </a:fillRef>
+          <a:effectRef idx="0">
+            <a:schemeClr val="accent1"/>
+          </a:effectRef>
+          <a:fontRef idx="minor">
+            <a:schemeClr val="dk1"/>
+          </a:fontRef>
+        </p:style>
+        <p:txBody>
+          <a:bodyPr rtlCol="0" anchor="ctr"/>
+          <a:lstStyle/>
+          <a:p>
+            <a:pPr algn="ctr"/>
+            <a:endParaRPr lang="en-US" sz="1801" dirty="0"/>
+          </a:p>
+          <a:p>
+            <a:pPr algn="ctr"/>
+            <a:endParaRPr lang="en-US" sz="1801" dirty="0"/>
+          </a:p>
+          <a:p>
+            <a:pPr algn="ctr"/>
+            <a:endParaRPr lang="en-US" sz="1801" dirty="0"/>
+          </a:p>
+          <a:p>
+            <a:pPr algn="ctr"/>
+            <a:endParaRPr lang="en-US" sz="1801" dirty="0"/>
+          </a:p>
+        </p:txBody>
+      </p:sp>
+      <p:pic>
+        <p:nvPicPr>
+          <p:cNvPr id="16" name="Picture 15"/>
+          <p:cNvPicPr>
+            <a:picLocks noChangeAspect="1"/>
+          </p:cNvPicPr>
+          <p:nvPr/>
+        </p:nvPicPr>
+        <p:blipFill>
+          <a:blip r:embed="rId3">
+            <a:extLst>
+              <a:ext uri="{28A0092B-C50C-407E-A947-70E740481C1C}">
+                <a14:useLocalDpi xmlns:a14="http://schemas.microsoft.com/office/drawing/2010/main" val="0"/>
+              </a:ext>
+            </a:extLst>
+          </a:blip>
+          <a:stretch>
+            <a:fillRect/>
+          </a:stretch>
+        </p:blipFill>
+        <p:spPr>
+          <a:xfrm>
+            <a:off x="8273028" y="983022"/>
+            <a:ext cx="819049" cy="1552380"/>
+          </a:xfrm>
+          <a:prstGeom prst="rect">
+            <a:avLst/>
+          </a:prstGeom>
+        </p:spPr>
+      </p:pic>
+      <p:sp>
+        <p:nvSpPr>
+          <p:cNvPr id="13" name="Flowchart: Magnetic Disk 12"/>
+          <p:cNvSpPr/>
+          <p:nvPr/>
+        </p:nvSpPr>
+        <p:spPr>
+          <a:xfrm>
+            <a:off x="7093465" y="3266651"/>
+            <a:ext cx="1728192" cy="1170291"/>
+          </a:xfrm>
+          <a:prstGeom prst="flowChartMagneticDisk">
+            <a:avLst/>
+          </a:prstGeom>
+          <a:noFill/>
+        </p:spPr>
+        <p:style>
+          <a:lnRef idx="2">
+            <a:schemeClr val="accent1">
+              <a:shade val="50000"/>
+            </a:schemeClr>
+          </a:lnRef>
+          <a:fillRef idx="1">
+            <a:schemeClr val="accent1"/>
+          </a:fillRef>
+          <a:effectRef idx="0">
+            <a:schemeClr val="accent1"/>
+          </a:effectRef>
+          <a:fontRef idx="minor">
+            <a:schemeClr val="lt1"/>
+          </a:fontRef>
+        </p:style>
+        <p:txBody>
+          <a:bodyPr rtlCol="0" anchor="ctr"/>
+          <a:lstStyle/>
+          <a:p>
+            <a:pPr algn="ctr"/>
+            <a:endParaRPr lang="en-US" sz="1801"/>
+          </a:p>
+        </p:txBody>
+      </p:sp>
+      <p:sp>
+        <p:nvSpPr>
+          <p:cNvPr id="14" name="TextBox 13"/>
+          <p:cNvSpPr txBox="1"/>
+          <p:nvPr/>
+        </p:nvSpPr>
+        <p:spPr>
+          <a:xfrm>
+            <a:off x="7408871" y="3722463"/>
+            <a:ext cx="1272848" cy="646587"/>
+          </a:xfrm>
+          <a:prstGeom prst="rect">
+            <a:avLst/>
+          </a:prstGeom>
+          <a:noFill/>
+        </p:spPr>
+        <p:txBody>
+          <a:bodyPr wrap="none" rtlCol="0">
+            <a:spAutoFit/>
+          </a:bodyPr>
+          <a:lstStyle/>
+          <a:p>
+            <a:pPr algn="ctr"/>
+            <a:r>
+              <a:rPr lang="en-US" sz="1801" b="1" dirty="0" smtClean="0"/>
+              <a:t>RDBMS </a:t>
+            </a:r>
+          </a:p>
+          <a:p>
+            <a:pPr algn="ctr"/>
+            <a:r>
+              <a:rPr lang="en-US" sz="1801" b="1" dirty="0" smtClean="0"/>
+              <a:t>Application</a:t>
+            </a:r>
+            <a:endParaRPr lang="en-US" sz="1801" b="1" dirty="0"/>
+          </a:p>
+        </p:txBody>
+      </p:sp>
+      <p:sp>
+        <p:nvSpPr>
+          <p:cNvPr id="2" name="Isosceles Triangle 1"/>
+          <p:cNvSpPr/>
+          <p:nvPr/>
+        </p:nvSpPr>
+        <p:spPr>
+          <a:xfrm>
+            <a:off x="101283" y="4261321"/>
+            <a:ext cx="1630392" cy="288353"/>
+          </a:xfrm>
+          <a:prstGeom prst="triangle">
+            <a:avLst/>
+          </a:prstGeom>
+          <a:noFill/>
+        </p:spPr>
+        <p:style>
+          <a:lnRef idx="2">
+            <a:schemeClr val="accent1">
+              <a:shade val="50000"/>
+            </a:schemeClr>
+          </a:lnRef>
+          <a:fillRef idx="1">
+            <a:schemeClr val="accent1"/>
+          </a:fillRef>
+          <a:effectRef idx="0">
+            <a:schemeClr val="accent1"/>
+          </a:effectRef>
+          <a:fontRef idx="minor">
+            <a:schemeClr val="lt1"/>
+          </a:fontRef>
+        </p:style>
+        <p:txBody>
+          <a:bodyPr rtlCol="0" anchor="ctr"/>
+          <a:lstStyle/>
+          <a:p>
+            <a:pPr algn="ctr"/>
+            <a:endParaRPr lang="en-US" sz="1801"/>
+          </a:p>
+        </p:txBody>
+      </p:sp>
+      <p:sp>
+        <p:nvSpPr>
+          <p:cNvPr id="3" name="Rectangle 2"/>
+          <p:cNvSpPr/>
+          <p:nvPr/>
+        </p:nvSpPr>
+        <p:spPr>
+          <a:xfrm>
+            <a:off x="125572" y="3097685"/>
+            <a:ext cx="1606103" cy="1153726"/>
+          </a:xfrm>
+          <a:prstGeom prst="rect">
+            <a:avLst/>
+          </a:prstGeom>
+          <a:noFill/>
+        </p:spPr>
+        <p:style>
+          <a:lnRef idx="2">
+            <a:schemeClr val="accent1">
+              <a:shade val="50000"/>
+            </a:schemeClr>
+          </a:lnRef>
+          <a:fillRef idx="1">
+            <a:schemeClr val="accent1"/>
+          </a:fillRef>
+          <a:effectRef idx="0">
+            <a:schemeClr val="accent1"/>
+          </a:effectRef>
+          <a:fontRef idx="minor">
+            <a:schemeClr val="lt1"/>
+          </a:fontRef>
+        </p:style>
+        <p:txBody>
+          <a:bodyPr rtlCol="0" anchor="ctr"/>
+          <a:lstStyle/>
+          <a:p>
+            <a:pPr algn="ctr"/>
+            <a:endParaRPr lang="en-US" sz="1801"/>
+          </a:p>
+        </p:txBody>
+      </p:sp>
+      <p:sp>
+        <p:nvSpPr>
+          <p:cNvPr id="21" name="TextBox 20"/>
+          <p:cNvSpPr txBox="1"/>
+          <p:nvPr/>
+        </p:nvSpPr>
+        <p:spPr>
+          <a:xfrm>
+            <a:off x="7092663" y="1481273"/>
+            <a:ext cx="1193339" cy="923714"/>
+          </a:xfrm>
+          <a:prstGeom prst="rect">
+            <a:avLst/>
+          </a:prstGeom>
+          <a:noFill/>
+        </p:spPr>
+        <p:txBody>
+          <a:bodyPr wrap="none" rtlCol="0">
+            <a:spAutoFit/>
+          </a:bodyPr>
+          <a:lstStyle/>
+          <a:p>
+            <a:pPr algn="ctr"/>
+            <a:r>
+              <a:rPr lang="en-US" sz="1801" b="1" dirty="0">
+                <a:solidFill>
+                  <a:schemeClr val="accent3">
+                    <a:lumMod val="50000"/>
+                  </a:schemeClr>
+                </a:solidFill>
+              </a:rPr>
+              <a:t>Computer </a:t>
+            </a:r>
+          </a:p>
+          <a:p>
+            <a:pPr algn="ctr"/>
+            <a:r>
+              <a:rPr lang="en-US" sz="1801" b="1" dirty="0">
+                <a:solidFill>
+                  <a:schemeClr val="accent3">
+                    <a:lumMod val="50000"/>
+                  </a:schemeClr>
+                </a:solidFill>
+              </a:rPr>
+              <a:t>OR</a:t>
+            </a:r>
+          </a:p>
+          <a:p>
+            <a:pPr algn="ctr"/>
+            <a:r>
+              <a:rPr lang="en-US" sz="1801" b="1" dirty="0">
+                <a:solidFill>
+                  <a:schemeClr val="accent3">
+                    <a:lumMod val="50000"/>
+                  </a:schemeClr>
+                </a:solidFill>
+              </a:rPr>
+              <a:t>Server</a:t>
+            </a:r>
+          </a:p>
+        </p:txBody>
+      </p:sp>
+      <p:sp>
+        <p:nvSpPr>
+          <p:cNvPr id="23" name="TextBox 22"/>
+          <p:cNvSpPr txBox="1"/>
+          <p:nvPr/>
+        </p:nvSpPr>
+        <p:spPr>
+          <a:xfrm>
+            <a:off x="296703" y="4681602"/>
+            <a:ext cx="1193339" cy="646587"/>
+          </a:xfrm>
+          <a:prstGeom prst="rect">
+            <a:avLst/>
+          </a:prstGeom>
+          <a:noFill/>
+        </p:spPr>
+        <p:txBody>
+          <a:bodyPr wrap="none" rtlCol="0">
+            <a:spAutoFit/>
+          </a:bodyPr>
+          <a:lstStyle/>
+          <a:p>
+            <a:pPr algn="ctr"/>
+            <a:r>
+              <a:rPr lang="en-US" sz="1801" b="1" dirty="0" smtClean="0">
+                <a:solidFill>
+                  <a:schemeClr val="accent3">
+                    <a:lumMod val="50000"/>
+                  </a:schemeClr>
+                </a:solidFill>
+              </a:rPr>
+              <a:t>Our Own </a:t>
+            </a:r>
+          </a:p>
+          <a:p>
+            <a:pPr algn="ctr"/>
+            <a:r>
+              <a:rPr lang="en-US" sz="1801" b="1" dirty="0" smtClean="0">
+                <a:solidFill>
+                  <a:schemeClr val="accent3">
+                    <a:lumMod val="50000"/>
+                  </a:schemeClr>
+                </a:solidFill>
+              </a:rPr>
+              <a:t>Computer </a:t>
+            </a:r>
+            <a:endParaRPr lang="en-US" sz="1801" b="1" dirty="0">
+              <a:solidFill>
+                <a:schemeClr val="accent3">
+                  <a:lumMod val="50000"/>
+                </a:schemeClr>
+              </a:solidFill>
+            </a:endParaRPr>
+          </a:p>
+        </p:txBody>
+      </p:sp>
+      <p:sp>
+        <p:nvSpPr>
+          <p:cNvPr id="8" name="Freeform 7"/>
+          <p:cNvSpPr/>
+          <p:nvPr/>
+        </p:nvSpPr>
+        <p:spPr>
+          <a:xfrm>
+            <a:off x="3051233" y="2806812"/>
+            <a:ext cx="1428355" cy="2865195"/>
+          </a:xfrm>
+          <a:custGeom>
+            <a:avLst/>
+            <a:gdLst>
+              <a:gd name="connsiteX0" fmla="*/ 959865 w 1384288"/>
+              <a:gd name="connsiteY0" fmla="*/ 28854 h 2825135"/>
+              <a:gd name="connsiteX1" fmla="*/ 840596 w 1384288"/>
+              <a:gd name="connsiteY1" fmla="*/ 2349 h 2825135"/>
+              <a:gd name="connsiteX2" fmla="*/ 655065 w 1384288"/>
+              <a:gd name="connsiteY2" fmla="*/ 81862 h 2825135"/>
+              <a:gd name="connsiteX3" fmla="*/ 549048 w 1384288"/>
+              <a:gd name="connsiteY3" fmla="*/ 28854 h 2825135"/>
+              <a:gd name="connsiteX4" fmla="*/ 456283 w 1384288"/>
+              <a:gd name="connsiteY4" fmla="*/ 121619 h 2825135"/>
+              <a:gd name="connsiteX5" fmla="*/ 337013 w 1384288"/>
+              <a:gd name="connsiteY5" fmla="*/ 161375 h 2825135"/>
+              <a:gd name="connsiteX6" fmla="*/ 310509 w 1384288"/>
+              <a:gd name="connsiteY6" fmla="*/ 360158 h 2825135"/>
+              <a:gd name="connsiteX7" fmla="*/ 124978 w 1384288"/>
+              <a:gd name="connsiteY7" fmla="*/ 479427 h 2825135"/>
+              <a:gd name="connsiteX8" fmla="*/ 111726 w 1384288"/>
+              <a:gd name="connsiteY8" fmla="*/ 611949 h 2825135"/>
+              <a:gd name="connsiteX9" fmla="*/ 5709 w 1384288"/>
+              <a:gd name="connsiteY9" fmla="*/ 770975 h 2825135"/>
+              <a:gd name="connsiteX10" fmla="*/ 18961 w 1384288"/>
+              <a:gd name="connsiteY10" fmla="*/ 916749 h 2825135"/>
+              <a:gd name="connsiteX11" fmla="*/ 58717 w 1384288"/>
+              <a:gd name="connsiteY11" fmla="*/ 1115532 h 2825135"/>
+              <a:gd name="connsiteX12" fmla="*/ 98474 w 1384288"/>
+              <a:gd name="connsiteY12" fmla="*/ 1261306 h 2825135"/>
+              <a:gd name="connsiteX13" fmla="*/ 58717 w 1384288"/>
+              <a:gd name="connsiteY13" fmla="*/ 1592610 h 2825135"/>
+              <a:gd name="connsiteX14" fmla="*/ 138230 w 1384288"/>
+              <a:gd name="connsiteY14" fmla="*/ 1711880 h 2825135"/>
+              <a:gd name="connsiteX15" fmla="*/ 138230 w 1384288"/>
+              <a:gd name="connsiteY15" fmla="*/ 1844401 h 2825135"/>
+              <a:gd name="connsiteX16" fmla="*/ 177987 w 1384288"/>
+              <a:gd name="connsiteY16" fmla="*/ 1963671 h 2825135"/>
+              <a:gd name="connsiteX17" fmla="*/ 297257 w 1384288"/>
+              <a:gd name="connsiteY17" fmla="*/ 2122697 h 2825135"/>
+              <a:gd name="connsiteX18" fmla="*/ 191239 w 1384288"/>
+              <a:gd name="connsiteY18" fmla="*/ 2135949 h 2825135"/>
+              <a:gd name="connsiteX19" fmla="*/ 244248 w 1384288"/>
+              <a:gd name="connsiteY19" fmla="*/ 2347984 h 2825135"/>
+              <a:gd name="connsiteX20" fmla="*/ 310509 w 1384288"/>
+              <a:gd name="connsiteY20" fmla="*/ 2493758 h 2825135"/>
+              <a:gd name="connsiteX21" fmla="*/ 416526 w 1384288"/>
+              <a:gd name="connsiteY21" fmla="*/ 2560019 h 2825135"/>
+              <a:gd name="connsiteX22" fmla="*/ 456283 w 1384288"/>
+              <a:gd name="connsiteY22" fmla="*/ 2758801 h 2825135"/>
+              <a:gd name="connsiteX23" fmla="*/ 562300 w 1384288"/>
+              <a:gd name="connsiteY23" fmla="*/ 2785306 h 2825135"/>
+              <a:gd name="connsiteX24" fmla="*/ 721326 w 1384288"/>
+              <a:gd name="connsiteY24" fmla="*/ 2772054 h 2825135"/>
+              <a:gd name="connsiteX25" fmla="*/ 946613 w 1384288"/>
+              <a:gd name="connsiteY25" fmla="*/ 2825062 h 2825135"/>
+              <a:gd name="connsiteX26" fmla="*/ 1132143 w 1384288"/>
+              <a:gd name="connsiteY26" fmla="*/ 2758801 h 2825135"/>
+              <a:gd name="connsiteX27" fmla="*/ 1344178 w 1384288"/>
+              <a:gd name="connsiteY27" fmla="*/ 2758801 h 2825135"/>
+              <a:gd name="connsiteX28" fmla="*/ 1383935 w 1384288"/>
+              <a:gd name="connsiteY28" fmla="*/ 2679288 h 2825135"/>
+            </a:gdLst>
+            <a:ahLst/>
+            <a:cxnLst>
+              <a:cxn ang="0">
+                <a:pos x="connsiteX0" y="connsiteY0"/>
+              </a:cxn>
+              <a:cxn ang="0">
+                <a:pos x="connsiteX1" y="connsiteY1"/>
+              </a:cxn>
+              <a:cxn ang="0">
+                <a:pos x="connsiteX2" y="connsiteY2"/>
+              </a:cxn>
+              <a:cxn ang="0">
+                <a:pos x="connsiteX3" y="connsiteY3"/>
+              </a:cxn>
+              <a:cxn ang="0">
+                <a:pos x="connsiteX4" y="connsiteY4"/>
+              </a:cxn>
+              <a:cxn ang="0">
+                <a:pos x="connsiteX5" y="connsiteY5"/>
+              </a:cxn>
+              <a:cxn ang="0">
+                <a:pos x="connsiteX6" y="connsiteY6"/>
+              </a:cxn>
+              <a:cxn ang="0">
+                <a:pos x="connsiteX7" y="connsiteY7"/>
+              </a:cxn>
+              <a:cxn ang="0">
+                <a:pos x="connsiteX8" y="connsiteY8"/>
+              </a:cxn>
+              <a:cxn ang="0">
+                <a:pos x="connsiteX9" y="connsiteY9"/>
+              </a:cxn>
+              <a:cxn ang="0">
+                <a:pos x="connsiteX10" y="connsiteY10"/>
+              </a:cxn>
+              <a:cxn ang="0">
+                <a:pos x="connsiteX11" y="connsiteY11"/>
+              </a:cxn>
+              <a:cxn ang="0">
+                <a:pos x="connsiteX12" y="connsiteY12"/>
+              </a:cxn>
+              <a:cxn ang="0">
+                <a:pos x="connsiteX13" y="connsiteY13"/>
+              </a:cxn>
+              <a:cxn ang="0">
+                <a:pos x="connsiteX14" y="connsiteY14"/>
+              </a:cxn>
+              <a:cxn ang="0">
+                <a:pos x="connsiteX15" y="connsiteY15"/>
+              </a:cxn>
+              <a:cxn ang="0">
+                <a:pos x="connsiteX16" y="connsiteY16"/>
+              </a:cxn>
+              <a:cxn ang="0">
+                <a:pos x="connsiteX17" y="connsiteY17"/>
+              </a:cxn>
+              <a:cxn ang="0">
+                <a:pos x="connsiteX18" y="connsiteY18"/>
+              </a:cxn>
+              <a:cxn ang="0">
+                <a:pos x="connsiteX19" y="connsiteY19"/>
+              </a:cxn>
+              <a:cxn ang="0">
+                <a:pos x="connsiteX20" y="connsiteY20"/>
+              </a:cxn>
+              <a:cxn ang="0">
+                <a:pos x="connsiteX21" y="connsiteY21"/>
+              </a:cxn>
+              <a:cxn ang="0">
+                <a:pos x="connsiteX22" y="connsiteY22"/>
+              </a:cxn>
+              <a:cxn ang="0">
+                <a:pos x="connsiteX23" y="connsiteY23"/>
+              </a:cxn>
+              <a:cxn ang="0">
+                <a:pos x="connsiteX24" y="connsiteY24"/>
+              </a:cxn>
+              <a:cxn ang="0">
+                <a:pos x="connsiteX25" y="connsiteY25"/>
+              </a:cxn>
+              <a:cxn ang="0">
+                <a:pos x="connsiteX26" y="connsiteY26"/>
+              </a:cxn>
+              <a:cxn ang="0">
+                <a:pos x="connsiteX27" y="connsiteY27"/>
+              </a:cxn>
+              <a:cxn ang="0">
+                <a:pos x="connsiteX28" y="connsiteY28"/>
+              </a:cxn>
+            </a:cxnLst>
+            <a:rect l="l" t="t" r="r" b="b"/>
+            <a:pathLst>
+              <a:path w="1384288" h="2825135">
+                <a:moveTo>
+                  <a:pt x="959865" y="28854"/>
+                </a:moveTo>
+                <a:cubicBezTo>
+                  <a:pt x="925630" y="11184"/>
+                  <a:pt x="891396" y="-6486"/>
+                  <a:pt x="840596" y="2349"/>
+                </a:cubicBezTo>
+                <a:cubicBezTo>
+                  <a:pt x="789796" y="11184"/>
+                  <a:pt x="703656" y="77444"/>
+                  <a:pt x="655065" y="81862"/>
+                </a:cubicBezTo>
+                <a:cubicBezTo>
+                  <a:pt x="606474" y="86280"/>
+                  <a:pt x="582178" y="22228"/>
+                  <a:pt x="549048" y="28854"/>
+                </a:cubicBezTo>
+                <a:cubicBezTo>
+                  <a:pt x="515918" y="35480"/>
+                  <a:pt x="491622" y="99532"/>
+                  <a:pt x="456283" y="121619"/>
+                </a:cubicBezTo>
+                <a:cubicBezTo>
+                  <a:pt x="420944" y="143706"/>
+                  <a:pt x="361309" y="121619"/>
+                  <a:pt x="337013" y="161375"/>
+                </a:cubicBezTo>
+                <a:cubicBezTo>
+                  <a:pt x="312717" y="201131"/>
+                  <a:pt x="345848" y="307149"/>
+                  <a:pt x="310509" y="360158"/>
+                </a:cubicBezTo>
+                <a:cubicBezTo>
+                  <a:pt x="275170" y="413167"/>
+                  <a:pt x="158108" y="437462"/>
+                  <a:pt x="124978" y="479427"/>
+                </a:cubicBezTo>
+                <a:cubicBezTo>
+                  <a:pt x="91848" y="521392"/>
+                  <a:pt x="131604" y="563358"/>
+                  <a:pt x="111726" y="611949"/>
+                </a:cubicBezTo>
+                <a:cubicBezTo>
+                  <a:pt x="91848" y="660540"/>
+                  <a:pt x="21170" y="720175"/>
+                  <a:pt x="5709" y="770975"/>
+                </a:cubicBezTo>
+                <a:cubicBezTo>
+                  <a:pt x="-9752" y="821775"/>
+                  <a:pt x="10126" y="859323"/>
+                  <a:pt x="18961" y="916749"/>
+                </a:cubicBezTo>
+                <a:cubicBezTo>
+                  <a:pt x="27796" y="974175"/>
+                  <a:pt x="45465" y="1058106"/>
+                  <a:pt x="58717" y="1115532"/>
+                </a:cubicBezTo>
+                <a:cubicBezTo>
+                  <a:pt x="71969" y="1172958"/>
+                  <a:pt x="98474" y="1181793"/>
+                  <a:pt x="98474" y="1261306"/>
+                </a:cubicBezTo>
+                <a:cubicBezTo>
+                  <a:pt x="98474" y="1340819"/>
+                  <a:pt x="52091" y="1517514"/>
+                  <a:pt x="58717" y="1592610"/>
+                </a:cubicBezTo>
+                <a:cubicBezTo>
+                  <a:pt x="65343" y="1667706"/>
+                  <a:pt x="124978" y="1669915"/>
+                  <a:pt x="138230" y="1711880"/>
+                </a:cubicBezTo>
+                <a:cubicBezTo>
+                  <a:pt x="151482" y="1753845"/>
+                  <a:pt x="131604" y="1802436"/>
+                  <a:pt x="138230" y="1844401"/>
+                </a:cubicBezTo>
+                <a:cubicBezTo>
+                  <a:pt x="144856" y="1886366"/>
+                  <a:pt x="151483" y="1917288"/>
+                  <a:pt x="177987" y="1963671"/>
+                </a:cubicBezTo>
+                <a:cubicBezTo>
+                  <a:pt x="204491" y="2010054"/>
+                  <a:pt x="295048" y="2093984"/>
+                  <a:pt x="297257" y="2122697"/>
+                </a:cubicBezTo>
+                <a:cubicBezTo>
+                  <a:pt x="299466" y="2151410"/>
+                  <a:pt x="200074" y="2098401"/>
+                  <a:pt x="191239" y="2135949"/>
+                </a:cubicBezTo>
+                <a:cubicBezTo>
+                  <a:pt x="182404" y="2173497"/>
+                  <a:pt x="224370" y="2288349"/>
+                  <a:pt x="244248" y="2347984"/>
+                </a:cubicBezTo>
+                <a:cubicBezTo>
+                  <a:pt x="264126" y="2407619"/>
+                  <a:pt x="281796" y="2458419"/>
+                  <a:pt x="310509" y="2493758"/>
+                </a:cubicBezTo>
+                <a:cubicBezTo>
+                  <a:pt x="339222" y="2529097"/>
+                  <a:pt x="392230" y="2515845"/>
+                  <a:pt x="416526" y="2560019"/>
+                </a:cubicBezTo>
+                <a:cubicBezTo>
+                  <a:pt x="440822" y="2604193"/>
+                  <a:pt x="431987" y="2721253"/>
+                  <a:pt x="456283" y="2758801"/>
+                </a:cubicBezTo>
+                <a:cubicBezTo>
+                  <a:pt x="480579" y="2796349"/>
+                  <a:pt x="518126" y="2783097"/>
+                  <a:pt x="562300" y="2785306"/>
+                </a:cubicBezTo>
+                <a:cubicBezTo>
+                  <a:pt x="606474" y="2787515"/>
+                  <a:pt x="657274" y="2765428"/>
+                  <a:pt x="721326" y="2772054"/>
+                </a:cubicBezTo>
+                <a:cubicBezTo>
+                  <a:pt x="785378" y="2778680"/>
+                  <a:pt x="878143" y="2827271"/>
+                  <a:pt x="946613" y="2825062"/>
+                </a:cubicBezTo>
+                <a:cubicBezTo>
+                  <a:pt x="1015083" y="2822853"/>
+                  <a:pt x="1065882" y="2769845"/>
+                  <a:pt x="1132143" y="2758801"/>
+                </a:cubicBezTo>
+                <a:cubicBezTo>
+                  <a:pt x="1198404" y="2747757"/>
+                  <a:pt x="1302213" y="2772053"/>
+                  <a:pt x="1344178" y="2758801"/>
+                </a:cubicBezTo>
+                <a:cubicBezTo>
+                  <a:pt x="1386143" y="2745549"/>
+                  <a:pt x="1385039" y="2712418"/>
+                  <a:pt x="1383935" y="2679288"/>
+                </a:cubicBezTo>
+              </a:path>
+            </a:pathLst>
+          </a:custGeom>
+          <a:noFill/>
+          <a:ln>
+            <a:solidFill>
+              <a:srgbClr val="FF0000"/>
+            </a:solidFill>
+          </a:ln>
+        </p:spPr>
+        <p:style>
+          <a:lnRef idx="2">
+            <a:schemeClr val="accent1">
+              <a:shade val="50000"/>
+            </a:schemeClr>
+          </a:lnRef>
+          <a:fillRef idx="1">
+            <a:schemeClr val="accent1"/>
+          </a:fillRef>
+          <a:effectRef idx="0">
+            <a:schemeClr val="accent1"/>
+          </a:effectRef>
+          <a:fontRef idx="minor">
+            <a:schemeClr val="lt1"/>
+          </a:fontRef>
+        </p:style>
+        <p:txBody>
+          <a:bodyPr rtlCol="0" anchor="ctr"/>
+          <a:lstStyle/>
+          <a:p>
+            <a:pPr algn="ctr"/>
+            <a:endParaRPr lang="en-US"/>
+          </a:p>
+        </p:txBody>
+      </p:sp>
+      <p:sp>
+        <p:nvSpPr>
+          <p:cNvPr id="12" name="Freeform 11"/>
+          <p:cNvSpPr/>
+          <p:nvPr/>
+        </p:nvSpPr>
+        <p:spPr>
+          <a:xfrm>
+            <a:off x="4320209" y="2902230"/>
+            <a:ext cx="834956" cy="2637183"/>
+          </a:xfrm>
+          <a:custGeom>
+            <a:avLst/>
+            <a:gdLst>
+              <a:gd name="connsiteX0" fmla="*/ 145774 w 834956"/>
+              <a:gd name="connsiteY0" fmla="*/ 2637183 h 2637183"/>
+              <a:gd name="connsiteX1" fmla="*/ 265043 w 834956"/>
+              <a:gd name="connsiteY1" fmla="*/ 2610678 h 2637183"/>
+              <a:gd name="connsiteX2" fmla="*/ 318052 w 834956"/>
+              <a:gd name="connsiteY2" fmla="*/ 2504661 h 2637183"/>
+              <a:gd name="connsiteX3" fmla="*/ 569843 w 834956"/>
+              <a:gd name="connsiteY3" fmla="*/ 2358887 h 2637183"/>
+              <a:gd name="connsiteX4" fmla="*/ 742121 w 834956"/>
+              <a:gd name="connsiteY4" fmla="*/ 2226365 h 2637183"/>
+              <a:gd name="connsiteX5" fmla="*/ 675861 w 834956"/>
+              <a:gd name="connsiteY5" fmla="*/ 2107096 h 2637183"/>
+              <a:gd name="connsiteX6" fmla="*/ 649356 w 834956"/>
+              <a:gd name="connsiteY6" fmla="*/ 1802296 h 2637183"/>
+              <a:gd name="connsiteX7" fmla="*/ 768626 w 834956"/>
+              <a:gd name="connsiteY7" fmla="*/ 1696278 h 2637183"/>
+              <a:gd name="connsiteX8" fmla="*/ 728869 w 834956"/>
+              <a:gd name="connsiteY8" fmla="*/ 1497496 h 2637183"/>
+              <a:gd name="connsiteX9" fmla="*/ 728869 w 834956"/>
+              <a:gd name="connsiteY9" fmla="*/ 1391478 h 2637183"/>
+              <a:gd name="connsiteX10" fmla="*/ 755374 w 834956"/>
+              <a:gd name="connsiteY10" fmla="*/ 1126435 h 2637183"/>
+              <a:gd name="connsiteX11" fmla="*/ 742121 w 834956"/>
+              <a:gd name="connsiteY11" fmla="*/ 980661 h 2637183"/>
+              <a:gd name="connsiteX12" fmla="*/ 742121 w 834956"/>
+              <a:gd name="connsiteY12" fmla="*/ 808383 h 2637183"/>
+              <a:gd name="connsiteX13" fmla="*/ 834887 w 834956"/>
+              <a:gd name="connsiteY13" fmla="*/ 675861 h 2637183"/>
+              <a:gd name="connsiteX14" fmla="*/ 755374 w 834956"/>
+              <a:gd name="connsiteY14" fmla="*/ 556591 h 2637183"/>
+              <a:gd name="connsiteX15" fmla="*/ 649356 w 834956"/>
+              <a:gd name="connsiteY15" fmla="*/ 318052 h 2637183"/>
+              <a:gd name="connsiteX16" fmla="*/ 490330 w 834956"/>
+              <a:gd name="connsiteY16" fmla="*/ 185530 h 2637183"/>
+              <a:gd name="connsiteX17" fmla="*/ 410817 w 834956"/>
+              <a:gd name="connsiteY17" fmla="*/ 106017 h 2637183"/>
+              <a:gd name="connsiteX18" fmla="*/ 371061 w 834956"/>
+              <a:gd name="connsiteY18" fmla="*/ 39756 h 2637183"/>
+              <a:gd name="connsiteX19" fmla="*/ 265043 w 834956"/>
+              <a:gd name="connsiteY19" fmla="*/ 26504 h 2637183"/>
+              <a:gd name="connsiteX20" fmla="*/ 212034 w 834956"/>
+              <a:gd name="connsiteY20" fmla="*/ 53009 h 2637183"/>
+              <a:gd name="connsiteX21" fmla="*/ 159026 w 834956"/>
+              <a:gd name="connsiteY21" fmla="*/ 79513 h 2637183"/>
+              <a:gd name="connsiteX22" fmla="*/ 79513 w 834956"/>
+              <a:gd name="connsiteY22" fmla="*/ 53009 h 2637183"/>
+              <a:gd name="connsiteX23" fmla="*/ 0 w 834956"/>
+              <a:gd name="connsiteY23" fmla="*/ 0 h 2637183"/>
+            </a:gdLst>
+            <a:ahLst/>
+            <a:cxnLst>
+              <a:cxn ang="0">
+                <a:pos x="connsiteX0" y="connsiteY0"/>
+              </a:cxn>
+              <a:cxn ang="0">
+                <a:pos x="connsiteX1" y="connsiteY1"/>
+              </a:cxn>
+              <a:cxn ang="0">
+                <a:pos x="connsiteX2" y="connsiteY2"/>
+              </a:cxn>
+              <a:cxn ang="0">
+                <a:pos x="connsiteX3" y="connsiteY3"/>
+              </a:cxn>
+              <a:cxn ang="0">
+                <a:pos x="connsiteX4" y="connsiteY4"/>
+              </a:cxn>
+              <a:cxn ang="0">
+                <a:pos x="connsiteX5" y="connsiteY5"/>
+              </a:cxn>
+              <a:cxn ang="0">
+                <a:pos x="connsiteX6" y="connsiteY6"/>
+              </a:cxn>
+              <a:cxn ang="0">
+                <a:pos x="connsiteX7" y="connsiteY7"/>
+              </a:cxn>
+              <a:cxn ang="0">
+                <a:pos x="connsiteX8" y="connsiteY8"/>
+              </a:cxn>
+              <a:cxn ang="0">
+                <a:pos x="connsiteX9" y="connsiteY9"/>
+              </a:cxn>
+              <a:cxn ang="0">
+                <a:pos x="connsiteX10" y="connsiteY10"/>
+              </a:cxn>
+              <a:cxn ang="0">
+                <a:pos x="connsiteX11" y="connsiteY11"/>
+              </a:cxn>
+              <a:cxn ang="0">
+                <a:pos x="connsiteX12" y="connsiteY12"/>
+              </a:cxn>
+              <a:cxn ang="0">
+                <a:pos x="connsiteX13" y="connsiteY13"/>
+              </a:cxn>
+              <a:cxn ang="0">
+                <a:pos x="connsiteX14" y="connsiteY14"/>
+              </a:cxn>
+              <a:cxn ang="0">
+                <a:pos x="connsiteX15" y="connsiteY15"/>
+              </a:cxn>
+              <a:cxn ang="0">
+                <a:pos x="connsiteX16" y="connsiteY16"/>
+              </a:cxn>
+              <a:cxn ang="0">
+                <a:pos x="connsiteX17" y="connsiteY17"/>
+              </a:cxn>
+              <a:cxn ang="0">
+                <a:pos x="connsiteX18" y="connsiteY18"/>
+              </a:cxn>
+              <a:cxn ang="0">
+                <a:pos x="connsiteX19" y="connsiteY19"/>
+              </a:cxn>
+              <a:cxn ang="0">
+                <a:pos x="connsiteX20" y="connsiteY20"/>
+              </a:cxn>
+              <a:cxn ang="0">
+                <a:pos x="connsiteX21" y="connsiteY21"/>
+              </a:cxn>
+              <a:cxn ang="0">
+                <a:pos x="connsiteX22" y="connsiteY22"/>
+              </a:cxn>
+              <a:cxn ang="0">
+                <a:pos x="connsiteX23" y="connsiteY23"/>
+              </a:cxn>
+            </a:cxnLst>
+            <a:rect l="l" t="t" r="r" b="b"/>
+            <a:pathLst>
+              <a:path w="834956" h="2637183">
+                <a:moveTo>
+                  <a:pt x="145774" y="2637183"/>
+                </a:moveTo>
+                <a:cubicBezTo>
+                  <a:pt x="191052" y="2634974"/>
+                  <a:pt x="236330" y="2632765"/>
+                  <a:pt x="265043" y="2610678"/>
+                </a:cubicBezTo>
+                <a:cubicBezTo>
+                  <a:pt x="293756" y="2588591"/>
+                  <a:pt x="267252" y="2546626"/>
+                  <a:pt x="318052" y="2504661"/>
+                </a:cubicBezTo>
+                <a:cubicBezTo>
+                  <a:pt x="368852" y="2462696"/>
+                  <a:pt x="499165" y="2405270"/>
+                  <a:pt x="569843" y="2358887"/>
+                </a:cubicBezTo>
+                <a:cubicBezTo>
+                  <a:pt x="640521" y="2312504"/>
+                  <a:pt x="724451" y="2268330"/>
+                  <a:pt x="742121" y="2226365"/>
+                </a:cubicBezTo>
+                <a:cubicBezTo>
+                  <a:pt x="759791" y="2184400"/>
+                  <a:pt x="691322" y="2177774"/>
+                  <a:pt x="675861" y="2107096"/>
+                </a:cubicBezTo>
+                <a:cubicBezTo>
+                  <a:pt x="660400" y="2036418"/>
+                  <a:pt x="633895" y="1870766"/>
+                  <a:pt x="649356" y="1802296"/>
+                </a:cubicBezTo>
+                <a:cubicBezTo>
+                  <a:pt x="664817" y="1733826"/>
+                  <a:pt x="755374" y="1747078"/>
+                  <a:pt x="768626" y="1696278"/>
+                </a:cubicBezTo>
+                <a:cubicBezTo>
+                  <a:pt x="781878" y="1645478"/>
+                  <a:pt x="735495" y="1548296"/>
+                  <a:pt x="728869" y="1497496"/>
+                </a:cubicBezTo>
+                <a:cubicBezTo>
+                  <a:pt x="722243" y="1446696"/>
+                  <a:pt x="724452" y="1453321"/>
+                  <a:pt x="728869" y="1391478"/>
+                </a:cubicBezTo>
+                <a:cubicBezTo>
+                  <a:pt x="733287" y="1329634"/>
+                  <a:pt x="753165" y="1194904"/>
+                  <a:pt x="755374" y="1126435"/>
+                </a:cubicBezTo>
+                <a:cubicBezTo>
+                  <a:pt x="757583" y="1057966"/>
+                  <a:pt x="744330" y="1033670"/>
+                  <a:pt x="742121" y="980661"/>
+                </a:cubicBezTo>
+                <a:cubicBezTo>
+                  <a:pt x="739912" y="927652"/>
+                  <a:pt x="726660" y="859183"/>
+                  <a:pt x="742121" y="808383"/>
+                </a:cubicBezTo>
+                <a:cubicBezTo>
+                  <a:pt x="757582" y="757583"/>
+                  <a:pt x="832678" y="717826"/>
+                  <a:pt x="834887" y="675861"/>
+                </a:cubicBezTo>
+                <a:cubicBezTo>
+                  <a:pt x="837096" y="633896"/>
+                  <a:pt x="786296" y="616226"/>
+                  <a:pt x="755374" y="556591"/>
+                </a:cubicBezTo>
+                <a:cubicBezTo>
+                  <a:pt x="724452" y="496956"/>
+                  <a:pt x="693530" y="379895"/>
+                  <a:pt x="649356" y="318052"/>
+                </a:cubicBezTo>
+                <a:cubicBezTo>
+                  <a:pt x="605182" y="256209"/>
+                  <a:pt x="530086" y="220869"/>
+                  <a:pt x="490330" y="185530"/>
+                </a:cubicBezTo>
+                <a:cubicBezTo>
+                  <a:pt x="450574" y="150191"/>
+                  <a:pt x="430695" y="130313"/>
+                  <a:pt x="410817" y="106017"/>
+                </a:cubicBezTo>
+                <a:cubicBezTo>
+                  <a:pt x="390939" y="81721"/>
+                  <a:pt x="395357" y="53008"/>
+                  <a:pt x="371061" y="39756"/>
+                </a:cubicBezTo>
+                <a:cubicBezTo>
+                  <a:pt x="346765" y="26504"/>
+                  <a:pt x="291548" y="24295"/>
+                  <a:pt x="265043" y="26504"/>
+                </a:cubicBezTo>
+                <a:cubicBezTo>
+                  <a:pt x="238539" y="28713"/>
+                  <a:pt x="212034" y="53009"/>
+                  <a:pt x="212034" y="53009"/>
+                </a:cubicBezTo>
+                <a:cubicBezTo>
+                  <a:pt x="194364" y="61844"/>
+                  <a:pt x="181113" y="79513"/>
+                  <a:pt x="159026" y="79513"/>
+                </a:cubicBezTo>
+                <a:cubicBezTo>
+                  <a:pt x="136939" y="79513"/>
+                  <a:pt x="106017" y="66261"/>
+                  <a:pt x="79513" y="53009"/>
+                </a:cubicBezTo>
+                <a:cubicBezTo>
+                  <a:pt x="53009" y="39757"/>
+                  <a:pt x="26504" y="19878"/>
+                  <a:pt x="0" y="0"/>
+                </a:cubicBezTo>
+              </a:path>
+            </a:pathLst>
+          </a:custGeom>
+          <a:noFill/>
+          <a:ln>
+            <a:solidFill>
+              <a:srgbClr val="FF0000"/>
+            </a:solidFill>
+          </a:ln>
+        </p:spPr>
+        <p:style>
+          <a:lnRef idx="2">
+            <a:schemeClr val="accent1">
+              <a:shade val="50000"/>
+            </a:schemeClr>
+          </a:lnRef>
+          <a:fillRef idx="1">
+            <a:schemeClr val="accent1"/>
+          </a:fillRef>
+          <a:effectRef idx="0">
+            <a:schemeClr val="accent1"/>
+          </a:effectRef>
+          <a:fontRef idx="minor">
+            <a:schemeClr val="lt1"/>
+          </a:fontRef>
+        </p:style>
+        <p:txBody>
+          <a:bodyPr rtlCol="0" anchor="ctr"/>
+          <a:lstStyle/>
+          <a:p>
+            <a:pPr algn="ctr"/>
+            <a:endParaRPr lang="en-US"/>
+          </a:p>
+        </p:txBody>
+      </p:sp>
+      <p:sp>
+        <p:nvSpPr>
+          <p:cNvPr id="19" name="Freeform 18"/>
+          <p:cNvSpPr/>
+          <p:nvPr/>
+        </p:nvSpPr>
+        <p:spPr>
+          <a:xfrm>
+            <a:off x="4002157" y="2806812"/>
+            <a:ext cx="303956" cy="112960"/>
+          </a:xfrm>
+          <a:custGeom>
+            <a:avLst/>
+            <a:gdLst>
+              <a:gd name="connsiteX0" fmla="*/ 0 w 303956"/>
+              <a:gd name="connsiteY0" fmla="*/ 42409 h 112960"/>
+              <a:gd name="connsiteX1" fmla="*/ 278295 w 303956"/>
+              <a:gd name="connsiteY1" fmla="*/ 2653 h 112960"/>
+              <a:gd name="connsiteX2" fmla="*/ 291547 w 303956"/>
+              <a:gd name="connsiteY2" fmla="*/ 108670 h 112960"/>
+              <a:gd name="connsiteX3" fmla="*/ 278295 w 303956"/>
+              <a:gd name="connsiteY3" fmla="*/ 82166 h 112960"/>
+            </a:gdLst>
+            <a:ahLst/>
+            <a:cxnLst>
+              <a:cxn ang="0">
+                <a:pos x="connsiteX0" y="connsiteY0"/>
+              </a:cxn>
+              <a:cxn ang="0">
+                <a:pos x="connsiteX1" y="connsiteY1"/>
+              </a:cxn>
+              <a:cxn ang="0">
+                <a:pos x="connsiteX2" y="connsiteY2"/>
+              </a:cxn>
+              <a:cxn ang="0">
+                <a:pos x="connsiteX3" y="connsiteY3"/>
+              </a:cxn>
+            </a:cxnLst>
+            <a:rect l="l" t="t" r="r" b="b"/>
+            <a:pathLst>
+              <a:path w="303956" h="112960">
+                <a:moveTo>
+                  <a:pt x="0" y="42409"/>
+                </a:moveTo>
+                <a:cubicBezTo>
+                  <a:pt x="114852" y="17009"/>
+                  <a:pt x="229704" y="-8390"/>
+                  <a:pt x="278295" y="2653"/>
+                </a:cubicBezTo>
+                <a:cubicBezTo>
+                  <a:pt x="326886" y="13696"/>
+                  <a:pt x="291547" y="95418"/>
+                  <a:pt x="291547" y="108670"/>
+                </a:cubicBezTo>
+                <a:cubicBezTo>
+                  <a:pt x="291547" y="121922"/>
+                  <a:pt x="284921" y="102044"/>
+                  <a:pt x="278295" y="82166"/>
+                </a:cubicBezTo>
+              </a:path>
+            </a:pathLst>
+          </a:custGeom>
+          <a:noFill/>
+          <a:ln>
+            <a:solidFill>
+              <a:srgbClr val="FF0000"/>
+            </a:solidFill>
+          </a:ln>
+        </p:spPr>
+        <p:style>
+          <a:lnRef idx="2">
+            <a:schemeClr val="accent1">
+              <a:shade val="50000"/>
+            </a:schemeClr>
+          </a:lnRef>
+          <a:fillRef idx="1">
+            <a:schemeClr val="accent1"/>
+          </a:fillRef>
+          <a:effectRef idx="0">
+            <a:schemeClr val="accent1"/>
+          </a:effectRef>
+          <a:fontRef idx="minor">
+            <a:schemeClr val="lt1"/>
+          </a:fontRef>
+        </p:style>
+        <p:txBody>
+          <a:bodyPr rtlCol="0" anchor="ctr"/>
+          <a:lstStyle/>
+          <a:p>
+            <a:pPr algn="ctr"/>
+            <a:endParaRPr lang="en-US"/>
+          </a:p>
+        </p:txBody>
+      </p:sp>
+      <p:sp>
+        <p:nvSpPr>
+          <p:cNvPr id="33" name="Freeform 32"/>
+          <p:cNvSpPr/>
+          <p:nvPr/>
+        </p:nvSpPr>
+        <p:spPr>
+          <a:xfrm>
+            <a:off x="6943999" y="3047128"/>
+            <a:ext cx="2016127" cy="1688077"/>
+          </a:xfrm>
+          <a:custGeom>
+            <a:avLst/>
+            <a:gdLst>
+              <a:gd name="connsiteX0" fmla="*/ 742262 w 2016127"/>
+              <a:gd name="connsiteY0" fmla="*/ 27380 h 1688077"/>
+              <a:gd name="connsiteX1" fmla="*/ 450714 w 2016127"/>
+              <a:gd name="connsiteY1" fmla="*/ 14128 h 1688077"/>
+              <a:gd name="connsiteX2" fmla="*/ 172418 w 2016127"/>
+              <a:gd name="connsiteY2" fmla="*/ 67137 h 1688077"/>
+              <a:gd name="connsiteX3" fmla="*/ 106158 w 2016127"/>
+              <a:gd name="connsiteY3" fmla="*/ 279171 h 1688077"/>
+              <a:gd name="connsiteX4" fmla="*/ 39897 w 2016127"/>
+              <a:gd name="connsiteY4" fmla="*/ 464702 h 1688077"/>
+              <a:gd name="connsiteX5" fmla="*/ 140 w 2016127"/>
+              <a:gd name="connsiteY5" fmla="*/ 742998 h 1688077"/>
+              <a:gd name="connsiteX6" fmla="*/ 53149 w 2016127"/>
+              <a:gd name="connsiteY6" fmla="*/ 1140563 h 1688077"/>
+              <a:gd name="connsiteX7" fmla="*/ 79653 w 2016127"/>
+              <a:gd name="connsiteY7" fmla="*/ 1405606 h 1688077"/>
+              <a:gd name="connsiteX8" fmla="*/ 212175 w 2016127"/>
+              <a:gd name="connsiteY8" fmla="*/ 1644145 h 1688077"/>
+              <a:gd name="connsiteX9" fmla="*/ 490471 w 2016127"/>
+              <a:gd name="connsiteY9" fmla="*/ 1670650 h 1688077"/>
+              <a:gd name="connsiteX10" fmla="*/ 795271 w 2016127"/>
+              <a:gd name="connsiteY10" fmla="*/ 1644145 h 1688077"/>
+              <a:gd name="connsiteX11" fmla="*/ 994053 w 2016127"/>
+              <a:gd name="connsiteY11" fmla="*/ 1683902 h 1688077"/>
+              <a:gd name="connsiteX12" fmla="*/ 1325358 w 2016127"/>
+              <a:gd name="connsiteY12" fmla="*/ 1524876 h 1688077"/>
+              <a:gd name="connsiteX13" fmla="*/ 1537392 w 2016127"/>
+              <a:gd name="connsiteY13" fmla="*/ 1604389 h 1688077"/>
+              <a:gd name="connsiteX14" fmla="*/ 1762679 w 2016127"/>
+              <a:gd name="connsiteY14" fmla="*/ 1551380 h 1688077"/>
+              <a:gd name="connsiteX15" fmla="*/ 1934958 w 2016127"/>
+              <a:gd name="connsiteY15" fmla="*/ 1485119 h 1688077"/>
+              <a:gd name="connsiteX16" fmla="*/ 1974714 w 2016127"/>
+              <a:gd name="connsiteY16" fmla="*/ 1233328 h 1688077"/>
+              <a:gd name="connsiteX17" fmla="*/ 2014471 w 2016127"/>
+              <a:gd name="connsiteY17" fmla="*/ 888771 h 1688077"/>
+              <a:gd name="connsiteX18" fmla="*/ 2001218 w 2016127"/>
+              <a:gd name="connsiteY18" fmla="*/ 411693 h 1688077"/>
+              <a:gd name="connsiteX19" fmla="*/ 1934958 w 2016127"/>
+              <a:gd name="connsiteY19" fmla="*/ 239415 h 1688077"/>
+              <a:gd name="connsiteX20" fmla="*/ 1736175 w 2016127"/>
+              <a:gd name="connsiteY20" fmla="*/ 67137 h 1688077"/>
+              <a:gd name="connsiteX21" fmla="*/ 1484384 w 2016127"/>
+              <a:gd name="connsiteY21" fmla="*/ 876 h 1688077"/>
+              <a:gd name="connsiteX22" fmla="*/ 1219340 w 2016127"/>
+              <a:gd name="connsiteY22" fmla="*/ 27380 h 1688077"/>
+              <a:gd name="connsiteX23" fmla="*/ 1219340 w 2016127"/>
+              <a:gd name="connsiteY23" fmla="*/ 27380 h 1688077"/>
+            </a:gdLst>
+            <a:ahLst/>
+            <a:cxnLst>
+              <a:cxn ang="0">
+                <a:pos x="connsiteX0" y="connsiteY0"/>
+              </a:cxn>
+              <a:cxn ang="0">
+                <a:pos x="connsiteX1" y="connsiteY1"/>
+              </a:cxn>
+              <a:cxn ang="0">
+                <a:pos x="connsiteX2" y="connsiteY2"/>
+              </a:cxn>
+              <a:cxn ang="0">
+                <a:pos x="connsiteX3" y="connsiteY3"/>
+              </a:cxn>
+              <a:cxn ang="0">
+                <a:pos x="connsiteX4" y="connsiteY4"/>
+              </a:cxn>
+              <a:cxn ang="0">
+                <a:pos x="connsiteX5" y="connsiteY5"/>
+              </a:cxn>
+              <a:cxn ang="0">
+                <a:pos x="connsiteX6" y="connsiteY6"/>
+              </a:cxn>
+              <a:cxn ang="0">
+                <a:pos x="connsiteX7" y="connsiteY7"/>
+              </a:cxn>
+              <a:cxn ang="0">
+                <a:pos x="connsiteX8" y="connsiteY8"/>
+              </a:cxn>
+              <a:cxn ang="0">
+                <a:pos x="connsiteX9" y="connsiteY9"/>
+              </a:cxn>
+              <a:cxn ang="0">
+                <a:pos x="connsiteX10" y="connsiteY10"/>
+              </a:cxn>
+              <a:cxn ang="0">
+                <a:pos x="connsiteX11" y="connsiteY11"/>
+              </a:cxn>
+              <a:cxn ang="0">
+                <a:pos x="connsiteX12" y="connsiteY12"/>
+              </a:cxn>
+              <a:cxn ang="0">
+                <a:pos x="connsiteX13" y="connsiteY13"/>
+              </a:cxn>
+              <a:cxn ang="0">
+                <a:pos x="connsiteX14" y="connsiteY14"/>
+              </a:cxn>
+              <a:cxn ang="0">
+                <a:pos x="connsiteX15" y="connsiteY15"/>
+              </a:cxn>
+              <a:cxn ang="0">
+                <a:pos x="connsiteX16" y="connsiteY16"/>
+              </a:cxn>
+              <a:cxn ang="0">
+                <a:pos x="connsiteX17" y="connsiteY17"/>
+              </a:cxn>
+              <a:cxn ang="0">
+                <a:pos x="connsiteX18" y="connsiteY18"/>
+              </a:cxn>
+              <a:cxn ang="0">
+                <a:pos x="connsiteX19" y="connsiteY19"/>
+              </a:cxn>
+              <a:cxn ang="0">
+                <a:pos x="connsiteX20" y="connsiteY20"/>
+              </a:cxn>
+              <a:cxn ang="0">
+                <a:pos x="connsiteX21" y="connsiteY21"/>
+              </a:cxn>
+              <a:cxn ang="0">
+                <a:pos x="connsiteX22" y="connsiteY22"/>
+              </a:cxn>
+              <a:cxn ang="0">
+                <a:pos x="connsiteX23" y="connsiteY23"/>
+              </a:cxn>
+            </a:cxnLst>
+            <a:rect l="l" t="t" r="r" b="b"/>
+            <a:pathLst>
+              <a:path w="2016127" h="1688077">
+                <a:moveTo>
+                  <a:pt x="742262" y="27380"/>
+                </a:moveTo>
+                <a:cubicBezTo>
+                  <a:pt x="643975" y="17441"/>
+                  <a:pt x="545688" y="7502"/>
+                  <a:pt x="450714" y="14128"/>
+                </a:cubicBezTo>
+                <a:cubicBezTo>
+                  <a:pt x="355740" y="20754"/>
+                  <a:pt x="229844" y="22963"/>
+                  <a:pt x="172418" y="67137"/>
+                </a:cubicBezTo>
+                <a:cubicBezTo>
+                  <a:pt x="114992" y="111311"/>
+                  <a:pt x="128245" y="212910"/>
+                  <a:pt x="106158" y="279171"/>
+                </a:cubicBezTo>
+                <a:cubicBezTo>
+                  <a:pt x="84071" y="345432"/>
+                  <a:pt x="57567" y="387398"/>
+                  <a:pt x="39897" y="464702"/>
+                </a:cubicBezTo>
+                <a:cubicBezTo>
+                  <a:pt x="22227" y="542007"/>
+                  <a:pt x="-2069" y="630355"/>
+                  <a:pt x="140" y="742998"/>
+                </a:cubicBezTo>
+                <a:cubicBezTo>
+                  <a:pt x="2349" y="855641"/>
+                  <a:pt x="39897" y="1030128"/>
+                  <a:pt x="53149" y="1140563"/>
+                </a:cubicBezTo>
+                <a:cubicBezTo>
+                  <a:pt x="66401" y="1250998"/>
+                  <a:pt x="53149" y="1321676"/>
+                  <a:pt x="79653" y="1405606"/>
+                </a:cubicBezTo>
+                <a:cubicBezTo>
+                  <a:pt x="106157" y="1489536"/>
+                  <a:pt x="143705" y="1599971"/>
+                  <a:pt x="212175" y="1644145"/>
+                </a:cubicBezTo>
+                <a:cubicBezTo>
+                  <a:pt x="280645" y="1688319"/>
+                  <a:pt x="393288" y="1670650"/>
+                  <a:pt x="490471" y="1670650"/>
+                </a:cubicBezTo>
+                <a:cubicBezTo>
+                  <a:pt x="587654" y="1670650"/>
+                  <a:pt x="711341" y="1641936"/>
+                  <a:pt x="795271" y="1644145"/>
+                </a:cubicBezTo>
+                <a:cubicBezTo>
+                  <a:pt x="879201" y="1646354"/>
+                  <a:pt x="905705" y="1703780"/>
+                  <a:pt x="994053" y="1683902"/>
+                </a:cubicBezTo>
+                <a:cubicBezTo>
+                  <a:pt x="1082401" y="1664024"/>
+                  <a:pt x="1234802" y="1538128"/>
+                  <a:pt x="1325358" y="1524876"/>
+                </a:cubicBezTo>
+                <a:cubicBezTo>
+                  <a:pt x="1415915" y="1511624"/>
+                  <a:pt x="1464505" y="1599972"/>
+                  <a:pt x="1537392" y="1604389"/>
+                </a:cubicBezTo>
+                <a:cubicBezTo>
+                  <a:pt x="1610279" y="1608806"/>
+                  <a:pt x="1696418" y="1571258"/>
+                  <a:pt x="1762679" y="1551380"/>
+                </a:cubicBezTo>
+                <a:cubicBezTo>
+                  <a:pt x="1828940" y="1531502"/>
+                  <a:pt x="1899619" y="1538128"/>
+                  <a:pt x="1934958" y="1485119"/>
+                </a:cubicBezTo>
+                <a:cubicBezTo>
+                  <a:pt x="1970297" y="1432110"/>
+                  <a:pt x="1961462" y="1332719"/>
+                  <a:pt x="1974714" y="1233328"/>
+                </a:cubicBezTo>
+                <a:cubicBezTo>
+                  <a:pt x="1987966" y="1133937"/>
+                  <a:pt x="2010054" y="1025710"/>
+                  <a:pt x="2014471" y="888771"/>
+                </a:cubicBezTo>
+                <a:cubicBezTo>
+                  <a:pt x="2018888" y="751832"/>
+                  <a:pt x="2014470" y="519919"/>
+                  <a:pt x="2001218" y="411693"/>
+                </a:cubicBezTo>
+                <a:cubicBezTo>
+                  <a:pt x="1987966" y="303467"/>
+                  <a:pt x="1979132" y="296841"/>
+                  <a:pt x="1934958" y="239415"/>
+                </a:cubicBezTo>
+                <a:cubicBezTo>
+                  <a:pt x="1890784" y="181989"/>
+                  <a:pt x="1811271" y="106893"/>
+                  <a:pt x="1736175" y="67137"/>
+                </a:cubicBezTo>
+                <a:cubicBezTo>
+                  <a:pt x="1661079" y="27381"/>
+                  <a:pt x="1570523" y="7502"/>
+                  <a:pt x="1484384" y="876"/>
+                </a:cubicBezTo>
+                <a:cubicBezTo>
+                  <a:pt x="1398245" y="-5750"/>
+                  <a:pt x="1219340" y="27380"/>
+                  <a:pt x="1219340" y="27380"/>
+                </a:cubicBezTo>
+                <a:lnTo>
+                  <a:pt x="1219340" y="27380"/>
+                </a:lnTo>
+              </a:path>
+            </a:pathLst>
+          </a:custGeom>
+          <a:noFill/>
+          <a:ln>
+            <a:solidFill>
+              <a:srgbClr val="FF0000"/>
+            </a:solidFill>
+          </a:ln>
+        </p:spPr>
+        <p:style>
+          <a:lnRef idx="2">
+            <a:schemeClr val="accent1">
+              <a:shade val="50000"/>
+            </a:schemeClr>
+          </a:lnRef>
+          <a:fillRef idx="1">
+            <a:schemeClr val="accent1"/>
+          </a:fillRef>
+          <a:effectRef idx="0">
+            <a:schemeClr val="accent1"/>
+          </a:effectRef>
+          <a:fontRef idx="minor">
+            <a:schemeClr val="lt1"/>
+          </a:fontRef>
+        </p:style>
+        <p:txBody>
+          <a:bodyPr rtlCol="0" anchor="ctr"/>
+          <a:lstStyle/>
+          <a:p>
+            <a:pPr algn="ctr"/>
+            <a:endParaRPr lang="en-US"/>
+          </a:p>
+        </p:txBody>
+      </p:sp>
+      <p:sp>
+        <p:nvSpPr>
+          <p:cNvPr id="34" name="Freeform 33"/>
+          <p:cNvSpPr/>
+          <p:nvPr/>
+        </p:nvSpPr>
+        <p:spPr>
+          <a:xfrm>
+            <a:off x="7673009" y="2991785"/>
+            <a:ext cx="503582" cy="69471"/>
+          </a:xfrm>
+          <a:custGeom>
+            <a:avLst/>
+            <a:gdLst>
+              <a:gd name="connsiteX0" fmla="*/ 0 w 503582"/>
+              <a:gd name="connsiteY0" fmla="*/ 69471 h 69471"/>
+              <a:gd name="connsiteX1" fmla="*/ 185530 w 503582"/>
+              <a:gd name="connsiteY1" fmla="*/ 3210 h 69471"/>
+              <a:gd name="connsiteX2" fmla="*/ 278295 w 503582"/>
+              <a:gd name="connsiteY2" fmla="*/ 16462 h 69471"/>
+              <a:gd name="connsiteX3" fmla="*/ 503582 w 503582"/>
+              <a:gd name="connsiteY3" fmla="*/ 69471 h 69471"/>
+              <a:gd name="connsiteX4" fmla="*/ 503582 w 503582"/>
+              <a:gd name="connsiteY4" fmla="*/ 69471 h 69471"/>
+            </a:gdLst>
+            <a:ahLst/>
+            <a:cxnLst>
+              <a:cxn ang="0">
+                <a:pos x="connsiteX0" y="connsiteY0"/>
+              </a:cxn>
+              <a:cxn ang="0">
+                <a:pos x="connsiteX1" y="connsiteY1"/>
+              </a:cxn>
+              <a:cxn ang="0">
+                <a:pos x="connsiteX2" y="connsiteY2"/>
+              </a:cxn>
+              <a:cxn ang="0">
+                <a:pos x="connsiteX3" y="connsiteY3"/>
+              </a:cxn>
+              <a:cxn ang="0">
+                <a:pos x="connsiteX4" y="connsiteY4"/>
+              </a:cxn>
+            </a:cxnLst>
+            <a:rect l="l" t="t" r="r" b="b"/>
+            <a:pathLst>
+              <a:path w="503582" h="69471">
+                <a:moveTo>
+                  <a:pt x="0" y="69471"/>
+                </a:moveTo>
+                <a:cubicBezTo>
+                  <a:pt x="69574" y="40758"/>
+                  <a:pt x="139148" y="12045"/>
+                  <a:pt x="185530" y="3210"/>
+                </a:cubicBezTo>
+                <a:cubicBezTo>
+                  <a:pt x="231913" y="-5625"/>
+                  <a:pt x="225286" y="5419"/>
+                  <a:pt x="278295" y="16462"/>
+                </a:cubicBezTo>
+                <a:cubicBezTo>
+                  <a:pt x="331304" y="27505"/>
+                  <a:pt x="503582" y="69471"/>
+                  <a:pt x="503582" y="69471"/>
+                </a:cubicBezTo>
+                <a:lnTo>
+                  <a:pt x="503582" y="69471"/>
+                </a:lnTo>
+              </a:path>
+            </a:pathLst>
+          </a:custGeom>
+          <a:noFill/>
+          <a:ln>
+            <a:solidFill>
+              <a:srgbClr val="FF0000"/>
+            </a:solidFill>
+          </a:ln>
+        </p:spPr>
+        <p:style>
+          <a:lnRef idx="2">
+            <a:schemeClr val="accent1">
+              <a:shade val="50000"/>
+            </a:schemeClr>
+          </a:lnRef>
+          <a:fillRef idx="1">
+            <a:schemeClr val="accent1"/>
+          </a:fillRef>
+          <a:effectRef idx="0">
+            <a:schemeClr val="accent1"/>
+          </a:effectRef>
+          <a:fontRef idx="minor">
+            <a:schemeClr val="lt1"/>
+          </a:fontRef>
+        </p:style>
+        <p:txBody>
+          <a:bodyPr rtlCol="0" anchor="ctr"/>
+          <a:lstStyle/>
+          <a:p>
+            <a:pPr algn="ctr"/>
+            <a:endParaRPr lang="en-US"/>
+          </a:p>
+        </p:txBody>
+      </p:sp>
+      <p:sp>
+        <p:nvSpPr>
+          <p:cNvPr id="35" name="Freeform 34"/>
+          <p:cNvSpPr/>
+          <p:nvPr/>
+        </p:nvSpPr>
+        <p:spPr>
+          <a:xfrm>
+            <a:off x="203515" y="3239957"/>
+            <a:ext cx="1449052" cy="909158"/>
+          </a:xfrm>
+          <a:custGeom>
+            <a:avLst/>
+            <a:gdLst>
+              <a:gd name="connsiteX0" fmla="*/ 622852 w 1116139"/>
+              <a:gd name="connsiteY0" fmla="*/ 41611 h 483432"/>
+              <a:gd name="connsiteX1" fmla="*/ 384313 w 1116139"/>
+              <a:gd name="connsiteY1" fmla="*/ 1854 h 483432"/>
+              <a:gd name="connsiteX2" fmla="*/ 212035 w 1116139"/>
+              <a:gd name="connsiteY2" fmla="*/ 94619 h 483432"/>
+              <a:gd name="connsiteX3" fmla="*/ 92765 w 1116139"/>
+              <a:gd name="connsiteY3" fmla="*/ 147628 h 483432"/>
+              <a:gd name="connsiteX4" fmla="*/ 0 w 1116139"/>
+              <a:gd name="connsiteY4" fmla="*/ 306654 h 483432"/>
+              <a:gd name="connsiteX5" fmla="*/ 92765 w 1116139"/>
+              <a:gd name="connsiteY5" fmla="*/ 346411 h 483432"/>
+              <a:gd name="connsiteX6" fmla="*/ 265044 w 1116139"/>
+              <a:gd name="connsiteY6" fmla="*/ 478932 h 483432"/>
+              <a:gd name="connsiteX7" fmla="*/ 371061 w 1116139"/>
+              <a:gd name="connsiteY7" fmla="*/ 452428 h 483432"/>
+              <a:gd name="connsiteX8" fmla="*/ 583096 w 1116139"/>
+              <a:gd name="connsiteY8" fmla="*/ 452428 h 483432"/>
+              <a:gd name="connsiteX9" fmla="*/ 675861 w 1116139"/>
+              <a:gd name="connsiteY9" fmla="*/ 425924 h 483432"/>
+              <a:gd name="connsiteX10" fmla="*/ 821635 w 1116139"/>
+              <a:gd name="connsiteY10" fmla="*/ 452428 h 483432"/>
+              <a:gd name="connsiteX11" fmla="*/ 901148 w 1116139"/>
+              <a:gd name="connsiteY11" fmla="*/ 386167 h 483432"/>
+              <a:gd name="connsiteX12" fmla="*/ 980661 w 1116139"/>
+              <a:gd name="connsiteY12" fmla="*/ 425924 h 483432"/>
+              <a:gd name="connsiteX13" fmla="*/ 1086678 w 1116139"/>
+              <a:gd name="connsiteY13" fmla="*/ 346411 h 483432"/>
+              <a:gd name="connsiteX14" fmla="*/ 1086678 w 1116139"/>
+              <a:gd name="connsiteY14" fmla="*/ 280150 h 483432"/>
+              <a:gd name="connsiteX15" fmla="*/ 1113183 w 1116139"/>
+              <a:gd name="connsiteY15" fmla="*/ 187384 h 483432"/>
+              <a:gd name="connsiteX16" fmla="*/ 1007165 w 1116139"/>
+              <a:gd name="connsiteY16" fmla="*/ 134376 h 483432"/>
+              <a:gd name="connsiteX17" fmla="*/ 848139 w 1116139"/>
+              <a:gd name="connsiteY17" fmla="*/ 94619 h 483432"/>
+              <a:gd name="connsiteX18" fmla="*/ 715618 w 1116139"/>
+              <a:gd name="connsiteY18" fmla="*/ 28358 h 483432"/>
+              <a:gd name="connsiteX19" fmla="*/ 543339 w 1116139"/>
+              <a:gd name="connsiteY19" fmla="*/ 28358 h 483432"/>
+              <a:gd name="connsiteX20" fmla="*/ 530087 w 1116139"/>
+              <a:gd name="connsiteY20" fmla="*/ 15106 h 483432"/>
+            </a:gdLst>
+            <a:ahLst/>
+            <a:cxnLst>
+              <a:cxn ang="0">
+                <a:pos x="connsiteX0" y="connsiteY0"/>
+              </a:cxn>
+              <a:cxn ang="0">
+                <a:pos x="connsiteX1" y="connsiteY1"/>
+              </a:cxn>
+              <a:cxn ang="0">
+                <a:pos x="connsiteX2" y="connsiteY2"/>
+              </a:cxn>
+              <a:cxn ang="0">
+                <a:pos x="connsiteX3" y="connsiteY3"/>
+              </a:cxn>
+              <a:cxn ang="0">
+                <a:pos x="connsiteX4" y="connsiteY4"/>
+              </a:cxn>
+              <a:cxn ang="0">
+                <a:pos x="connsiteX5" y="connsiteY5"/>
+              </a:cxn>
+              <a:cxn ang="0">
+                <a:pos x="connsiteX6" y="connsiteY6"/>
+              </a:cxn>
+              <a:cxn ang="0">
+                <a:pos x="connsiteX7" y="connsiteY7"/>
+              </a:cxn>
+              <a:cxn ang="0">
+                <a:pos x="connsiteX8" y="connsiteY8"/>
+              </a:cxn>
+              <a:cxn ang="0">
+                <a:pos x="connsiteX9" y="connsiteY9"/>
+              </a:cxn>
+              <a:cxn ang="0">
+                <a:pos x="connsiteX10" y="connsiteY10"/>
+              </a:cxn>
+              <a:cxn ang="0">
+                <a:pos x="connsiteX11" y="connsiteY11"/>
+              </a:cxn>
+              <a:cxn ang="0">
+                <a:pos x="connsiteX12" y="connsiteY12"/>
+              </a:cxn>
+              <a:cxn ang="0">
+                <a:pos x="connsiteX13" y="connsiteY13"/>
+              </a:cxn>
+              <a:cxn ang="0">
+                <a:pos x="connsiteX14" y="connsiteY14"/>
+              </a:cxn>
+              <a:cxn ang="0">
+                <a:pos x="connsiteX15" y="connsiteY15"/>
+              </a:cxn>
+              <a:cxn ang="0">
+                <a:pos x="connsiteX16" y="connsiteY16"/>
+              </a:cxn>
+              <a:cxn ang="0">
+                <a:pos x="connsiteX17" y="connsiteY17"/>
+              </a:cxn>
+              <a:cxn ang="0">
+                <a:pos x="connsiteX18" y="connsiteY18"/>
+              </a:cxn>
+              <a:cxn ang="0">
+                <a:pos x="connsiteX19" y="connsiteY19"/>
+              </a:cxn>
+              <a:cxn ang="0">
+                <a:pos x="connsiteX20" y="connsiteY20"/>
+              </a:cxn>
+            </a:cxnLst>
+            <a:rect l="l" t="t" r="r" b="b"/>
+            <a:pathLst>
+              <a:path w="1116139" h="483432">
+                <a:moveTo>
+                  <a:pt x="622852" y="41611"/>
+                </a:moveTo>
+                <a:cubicBezTo>
+                  <a:pt x="537817" y="17315"/>
+                  <a:pt x="452782" y="-6981"/>
+                  <a:pt x="384313" y="1854"/>
+                </a:cubicBezTo>
+                <a:cubicBezTo>
+                  <a:pt x="315843" y="10689"/>
+                  <a:pt x="260626" y="70323"/>
+                  <a:pt x="212035" y="94619"/>
+                </a:cubicBezTo>
+                <a:cubicBezTo>
+                  <a:pt x="163444" y="118915"/>
+                  <a:pt x="128104" y="112289"/>
+                  <a:pt x="92765" y="147628"/>
+                </a:cubicBezTo>
+                <a:cubicBezTo>
+                  <a:pt x="57426" y="182967"/>
+                  <a:pt x="0" y="273524"/>
+                  <a:pt x="0" y="306654"/>
+                </a:cubicBezTo>
+                <a:cubicBezTo>
+                  <a:pt x="0" y="339784"/>
+                  <a:pt x="48591" y="317698"/>
+                  <a:pt x="92765" y="346411"/>
+                </a:cubicBezTo>
+                <a:cubicBezTo>
+                  <a:pt x="136939" y="375124"/>
+                  <a:pt x="218661" y="461263"/>
+                  <a:pt x="265044" y="478932"/>
+                </a:cubicBezTo>
+                <a:cubicBezTo>
+                  <a:pt x="311427" y="496601"/>
+                  <a:pt x="318052" y="456845"/>
+                  <a:pt x="371061" y="452428"/>
+                </a:cubicBezTo>
+                <a:cubicBezTo>
+                  <a:pt x="424070" y="448011"/>
+                  <a:pt x="532296" y="456845"/>
+                  <a:pt x="583096" y="452428"/>
+                </a:cubicBezTo>
+                <a:cubicBezTo>
+                  <a:pt x="633896" y="448011"/>
+                  <a:pt x="636105" y="425924"/>
+                  <a:pt x="675861" y="425924"/>
+                </a:cubicBezTo>
+                <a:cubicBezTo>
+                  <a:pt x="715617" y="425924"/>
+                  <a:pt x="784087" y="459054"/>
+                  <a:pt x="821635" y="452428"/>
+                </a:cubicBezTo>
+                <a:cubicBezTo>
+                  <a:pt x="859183" y="445802"/>
+                  <a:pt x="874644" y="390584"/>
+                  <a:pt x="901148" y="386167"/>
+                </a:cubicBezTo>
+                <a:cubicBezTo>
+                  <a:pt x="927652" y="381750"/>
+                  <a:pt x="949739" y="432550"/>
+                  <a:pt x="980661" y="425924"/>
+                </a:cubicBezTo>
+                <a:cubicBezTo>
+                  <a:pt x="1011583" y="419298"/>
+                  <a:pt x="1069009" y="370707"/>
+                  <a:pt x="1086678" y="346411"/>
+                </a:cubicBezTo>
+                <a:cubicBezTo>
+                  <a:pt x="1104347" y="322115"/>
+                  <a:pt x="1082261" y="306654"/>
+                  <a:pt x="1086678" y="280150"/>
+                </a:cubicBezTo>
+                <a:cubicBezTo>
+                  <a:pt x="1091095" y="253646"/>
+                  <a:pt x="1126435" y="211680"/>
+                  <a:pt x="1113183" y="187384"/>
+                </a:cubicBezTo>
+                <a:cubicBezTo>
+                  <a:pt x="1099931" y="163088"/>
+                  <a:pt x="1051339" y="149837"/>
+                  <a:pt x="1007165" y="134376"/>
+                </a:cubicBezTo>
+                <a:cubicBezTo>
+                  <a:pt x="962991" y="118915"/>
+                  <a:pt x="896730" y="112289"/>
+                  <a:pt x="848139" y="94619"/>
+                </a:cubicBezTo>
+                <a:cubicBezTo>
+                  <a:pt x="799548" y="76949"/>
+                  <a:pt x="766418" y="39401"/>
+                  <a:pt x="715618" y="28358"/>
+                </a:cubicBezTo>
+                <a:cubicBezTo>
+                  <a:pt x="664818" y="17314"/>
+                  <a:pt x="574261" y="30567"/>
+                  <a:pt x="543339" y="28358"/>
+                </a:cubicBezTo>
+                <a:cubicBezTo>
+                  <a:pt x="512417" y="26149"/>
+                  <a:pt x="521252" y="20627"/>
+                  <a:pt x="530087" y="15106"/>
+                </a:cubicBezTo>
+              </a:path>
+            </a:pathLst>
+          </a:custGeom>
+          <a:noFill/>
+          <a:ln>
+            <a:solidFill>
+              <a:srgbClr val="FF0000"/>
+            </a:solidFill>
+          </a:ln>
+        </p:spPr>
+        <p:style>
+          <a:lnRef idx="2">
+            <a:schemeClr val="accent1">
+              <a:shade val="50000"/>
+            </a:schemeClr>
+          </a:lnRef>
+          <a:fillRef idx="1">
+            <a:schemeClr val="accent1"/>
+          </a:fillRef>
+          <a:effectRef idx="0">
+            <a:schemeClr val="accent1"/>
+          </a:effectRef>
+          <a:fontRef idx="minor">
+            <a:schemeClr val="lt1"/>
+          </a:fontRef>
+        </p:style>
+        <p:txBody>
+          <a:bodyPr rtlCol="0" anchor="ctr"/>
+          <a:lstStyle/>
+          <a:p>
+            <a:pPr algn="ctr"/>
+            <a:endParaRPr lang="en-US"/>
+          </a:p>
+        </p:txBody>
+      </p:sp>
+      <p:cxnSp>
+        <p:nvCxnSpPr>
+          <p:cNvPr id="37" name="Straight Arrow Connector 36"/>
+          <p:cNvCxnSpPr/>
+          <p:nvPr/>
+        </p:nvCxnSpPr>
+        <p:spPr>
+          <a:xfrm>
+            <a:off x="1868591" y="3518252"/>
+            <a:ext cx="975220" cy="0"/>
+          </a:xfrm>
+          <a:prstGeom prst="straightConnector1">
+            <a:avLst/>
+          </a:prstGeom>
+          <a:ln>
+            <a:tailEnd type="triangle"/>
+          </a:ln>
+        </p:spPr>
+        <p:style>
+          <a:lnRef idx="3">
+            <a:schemeClr val="accent1"/>
+          </a:lnRef>
+          <a:fillRef idx="0">
+            <a:schemeClr val="accent1"/>
+          </a:fillRef>
+          <a:effectRef idx="2">
+            <a:schemeClr val="accent1"/>
+          </a:effectRef>
+          <a:fontRef idx="minor">
+            <a:schemeClr val="tx1"/>
+          </a:fontRef>
+        </p:style>
+      </p:cxnSp>
+      <p:cxnSp>
+        <p:nvCxnSpPr>
+          <p:cNvPr id="40" name="Straight Arrow Connector 39"/>
+          <p:cNvCxnSpPr/>
+          <p:nvPr/>
+        </p:nvCxnSpPr>
+        <p:spPr>
+          <a:xfrm flipH="1">
+            <a:off x="1868592" y="3891166"/>
+            <a:ext cx="903208" cy="0"/>
+          </a:xfrm>
+          <a:prstGeom prst="straightConnector1">
+            <a:avLst/>
+          </a:prstGeom>
+          <a:ln>
+            <a:tailEnd type="triangle"/>
+          </a:ln>
+        </p:spPr>
+        <p:style>
+          <a:lnRef idx="3">
+            <a:schemeClr val="accent1"/>
+          </a:lnRef>
+          <a:fillRef idx="0">
+            <a:schemeClr val="accent1"/>
+          </a:fillRef>
+          <a:effectRef idx="2">
+            <a:schemeClr val="accent1"/>
+          </a:effectRef>
+          <a:fontRef idx="minor">
+            <a:schemeClr val="tx1"/>
+          </a:fontRef>
+        </p:style>
+      </p:cxnSp>
+      <p:cxnSp>
+        <p:nvCxnSpPr>
+          <p:cNvPr id="27" name="Straight Arrow Connector 26"/>
+          <p:cNvCxnSpPr/>
+          <p:nvPr/>
+        </p:nvCxnSpPr>
+        <p:spPr>
+          <a:xfrm>
+            <a:off x="4860032" y="4086492"/>
+            <a:ext cx="2538426" cy="0"/>
+          </a:xfrm>
+          <a:prstGeom prst="straightConnector1">
+            <a:avLst/>
+          </a:prstGeom>
+          <a:ln>
+            <a:solidFill>
+              <a:srgbClr val="002060"/>
+            </a:solidFill>
+            <a:headEnd type="triangle"/>
+            <a:tailEnd type="triangle"/>
+          </a:ln>
+        </p:spPr>
+        <p:style>
+          <a:lnRef idx="3">
+            <a:schemeClr val="accent1"/>
+          </a:lnRef>
+          <a:fillRef idx="0">
+            <a:schemeClr val="accent1"/>
+          </a:fillRef>
+          <a:effectRef idx="2">
+            <a:schemeClr val="accent1"/>
+          </a:effectRef>
+          <a:fontRef idx="minor">
+            <a:schemeClr val="tx1"/>
+          </a:fontRef>
+        </p:style>
+      </p:cxnSp>
+      <p:sp>
+        <p:nvSpPr>
+          <p:cNvPr id="31" name="TextBox 30"/>
+          <p:cNvSpPr txBox="1"/>
+          <p:nvPr/>
+        </p:nvSpPr>
+        <p:spPr>
+          <a:xfrm>
+            <a:off x="5597908" y="3645024"/>
+            <a:ext cx="891591" cy="369460"/>
+          </a:xfrm>
+          <a:prstGeom prst="rect">
+            <a:avLst/>
+          </a:prstGeom>
+          <a:noFill/>
+        </p:spPr>
+        <p:txBody>
+          <a:bodyPr wrap="none" rtlCol="0">
+            <a:spAutoFit/>
+          </a:bodyPr>
+          <a:lstStyle/>
+          <a:p>
+            <a:pPr algn="ctr"/>
+            <a:r>
+              <a:rPr lang="en-US" sz="1801" b="1" dirty="0" smtClean="0">
+                <a:solidFill>
+                  <a:srgbClr val="002060"/>
+                </a:solidFill>
+              </a:rPr>
+              <a:t>DB URL</a:t>
+            </a:r>
+            <a:endParaRPr lang="en-US" sz="1801" b="1" dirty="0">
+              <a:solidFill>
+                <a:srgbClr val="002060"/>
+              </a:solidFill>
+            </a:endParaRPr>
+          </a:p>
+        </p:txBody>
+      </p:sp>
+    </p:spTree>
+    <p:extLst>
+      <p:ext uri="{BB962C8B-B14F-4D97-AF65-F5344CB8AC3E}">
+        <p14:creationId xmlns:p14="http://schemas.microsoft.com/office/powerpoint/2010/main" val="2147806355"/>
+      </p:ext>
+    </p:extLst>
+  </p:cSld>
+  <p:clrMapOvr>
+    <a:masterClrMapping/>
+  </p:clrMapOvr>
+  <p:timing>
+    <p:tnLst>
+      <p:par>
+        <p:cTn id="1" dur="indefinite" restart="never" nodeType="tmRoot"/>
+      </p:par>
+    </p:tnLst>
+  </p:timing>
+</p:sld>
+</file>
+
+<file path=ppt/slides/slide8.xml><?xml version="1.0" encoding="utf-8"?>
+<p:sld xmlns:a="http://schemas.openxmlformats.org/drawingml/2006/main" xmlns:r="http://schemas.openxmlformats.org/officeDocument/2006/relationships" xmlns:p="http://schemas.openxmlformats.org/presentationml/2006/main">
+  <p:cSld>
+    <p:spTree>
+      <p:nvGrpSpPr>
+        <p:cNvPr id="1" name=""/>
+        <p:cNvGrpSpPr/>
+        <p:nvPr/>
+      </p:nvGrpSpPr>
+      <p:grpSpPr>
+        <a:xfrm>
+          <a:off x="0" y="0"/>
+          <a:ext cx="0" cy="0"/>
+          <a:chOff x="0" y="0"/>
+          <a:chExt cx="0" cy="0"/>
+        </a:xfrm>
+      </p:grpSpPr>
+      <p:pic>
+        <p:nvPicPr>
+          <p:cNvPr id="4" name="Picture 3"/>
+          <p:cNvPicPr>
+            <a:picLocks noChangeAspect="1"/>
+          </p:cNvPicPr>
+          <p:nvPr/>
+        </p:nvPicPr>
+        <p:blipFill>
+          <a:blip r:embed="rId2" cstate="print">
+            <a:extLst>
+              <a:ext uri="{28A0092B-C50C-407E-A947-70E740481C1C}">
+                <a14:useLocalDpi xmlns:a14="http://schemas.microsoft.com/office/drawing/2010/main" val="0"/>
+              </a:ext>
+            </a:extLst>
+          </a:blip>
+          <a:stretch>
+            <a:fillRect/>
+          </a:stretch>
+        </p:blipFill>
+        <p:spPr>
+          <a:xfrm>
+            <a:off x="172445" y="1942783"/>
+            <a:ext cx="1009916" cy="1009916"/>
+          </a:xfrm>
+          <a:prstGeom prst="rect">
+            <a:avLst/>
+          </a:prstGeom>
+        </p:spPr>
+      </p:pic>
+      <p:pic>
+        <p:nvPicPr>
+          <p:cNvPr id="5" name="Picture 4"/>
+          <p:cNvPicPr>
+            <a:picLocks noChangeAspect="1"/>
+          </p:cNvPicPr>
+          <p:nvPr/>
+        </p:nvPicPr>
+        <p:blipFill>
+          <a:blip r:embed="rId3">
+            <a:extLst>
+              <a:ext uri="{28A0092B-C50C-407E-A947-70E740481C1C}">
+                <a14:useLocalDpi xmlns:a14="http://schemas.microsoft.com/office/drawing/2010/main" val="0"/>
+              </a:ext>
+            </a:extLst>
+          </a:blip>
+          <a:stretch>
+            <a:fillRect/>
+          </a:stretch>
+        </p:blipFill>
+        <p:spPr>
+          <a:xfrm>
+            <a:off x="115499" y="3371791"/>
+            <a:ext cx="1123810" cy="1152380"/>
+          </a:xfrm>
+          <a:prstGeom prst="rect">
+            <a:avLst/>
+          </a:prstGeom>
+        </p:spPr>
+      </p:pic>
+      <p:pic>
+        <p:nvPicPr>
+          <p:cNvPr id="7" name="Picture 6"/>
+          <p:cNvPicPr>
+            <a:picLocks noChangeAspect="1"/>
+          </p:cNvPicPr>
+          <p:nvPr/>
+        </p:nvPicPr>
+        <p:blipFill>
+          <a:blip r:embed="rId4">
+            <a:extLst>
+              <a:ext uri="{28A0092B-C50C-407E-A947-70E740481C1C}">
+                <a14:useLocalDpi xmlns:a14="http://schemas.microsoft.com/office/drawing/2010/main" val="0"/>
+              </a:ext>
+            </a:extLst>
+          </a:blip>
+          <a:stretch>
+            <a:fillRect/>
+          </a:stretch>
+        </p:blipFill>
+        <p:spPr>
+          <a:xfrm>
+            <a:off x="6084169" y="1210775"/>
+            <a:ext cx="648073" cy="1228322"/>
+          </a:xfrm>
+          <a:prstGeom prst="rect">
+            <a:avLst/>
+          </a:prstGeom>
+        </p:spPr>
+      </p:pic>
+      <p:sp>
+        <p:nvSpPr>
+          <p:cNvPr id="8" name="Rounded Rectangle 7"/>
+          <p:cNvSpPr/>
+          <p:nvPr/>
+        </p:nvSpPr>
+        <p:spPr>
+          <a:xfrm>
+            <a:off x="4140629" y="1738948"/>
+            <a:ext cx="2520281" cy="3720300"/>
+          </a:xfrm>
+          <a:prstGeom prst="roundRect">
+            <a:avLst/>
+          </a:prstGeom>
+          <a:noFill/>
+        </p:spPr>
+        <p:style>
+          <a:lnRef idx="2">
+            <a:schemeClr val="accent1"/>
+          </a:lnRef>
+          <a:fillRef idx="1">
+            <a:schemeClr val="lt1"/>
+          </a:fillRef>
+          <a:effectRef idx="0">
+            <a:schemeClr val="accent1"/>
+          </a:effectRef>
+          <a:fontRef idx="minor">
+            <a:schemeClr val="dk1"/>
+          </a:fontRef>
+        </p:style>
+        <p:txBody>
+          <a:bodyPr rtlCol="0" anchor="ctr"/>
+          <a:lstStyle/>
+          <a:p>
+            <a:pPr algn="ctr"/>
+            <a:endParaRPr lang="en-IN" sz="1801" dirty="0"/>
+          </a:p>
+        </p:txBody>
+      </p:sp>
+      <p:cxnSp>
+        <p:nvCxnSpPr>
+          <p:cNvPr id="10" name="Straight Connector 9"/>
+          <p:cNvCxnSpPr/>
+          <p:nvPr/>
+        </p:nvCxnSpPr>
+        <p:spPr>
+          <a:xfrm>
+            <a:off x="3779913" y="260648"/>
+            <a:ext cx="72009" cy="6336704"/>
+          </a:xfrm>
+          <a:prstGeom prst="line">
+            <a:avLst/>
+          </a:prstGeom>
+        </p:spPr>
+        <p:style>
+          <a:lnRef idx="3">
+            <a:schemeClr val="accent2"/>
+          </a:lnRef>
+          <a:fillRef idx="0">
+            <a:schemeClr val="accent2"/>
+          </a:fillRef>
+          <a:effectRef idx="2">
+            <a:schemeClr val="accent2"/>
+          </a:effectRef>
+          <a:fontRef idx="minor">
+            <a:schemeClr val="tx1"/>
+          </a:fontRef>
+        </p:style>
+      </p:cxnSp>
+      <p:cxnSp>
+        <p:nvCxnSpPr>
+          <p:cNvPr id="11" name="Straight Connector 10"/>
+          <p:cNvCxnSpPr/>
+          <p:nvPr/>
+        </p:nvCxnSpPr>
+        <p:spPr>
+          <a:xfrm>
+            <a:off x="6948265" y="268694"/>
+            <a:ext cx="72009" cy="6336704"/>
+          </a:xfrm>
+          <a:prstGeom prst="line">
+            <a:avLst/>
+          </a:prstGeom>
+        </p:spPr>
+        <p:style>
+          <a:lnRef idx="3">
+            <a:schemeClr val="accent2"/>
+          </a:lnRef>
+          <a:fillRef idx="0">
+            <a:schemeClr val="accent2"/>
+          </a:fillRef>
+          <a:effectRef idx="2">
+            <a:schemeClr val="accent2"/>
+          </a:effectRef>
+          <a:fontRef idx="minor">
+            <a:schemeClr val="tx1"/>
+          </a:fontRef>
+        </p:style>
+      </p:cxnSp>
+      <p:pic>
+        <p:nvPicPr>
+          <p:cNvPr id="12" name="Picture 11"/>
+          <p:cNvPicPr>
+            <a:picLocks noChangeAspect="1"/>
+          </p:cNvPicPr>
+          <p:nvPr/>
+        </p:nvPicPr>
+        <p:blipFill>
+          <a:blip r:embed="rId5">
+            <a:extLst>
+              <a:ext uri="{28A0092B-C50C-407E-A947-70E740481C1C}">
+                <a14:useLocalDpi xmlns:a14="http://schemas.microsoft.com/office/drawing/2010/main" val="0"/>
+              </a:ext>
+            </a:extLst>
+          </a:blip>
+          <a:stretch>
+            <a:fillRect/>
+          </a:stretch>
+        </p:blipFill>
+        <p:spPr>
+          <a:xfrm>
+            <a:off x="7596336" y="1498808"/>
+            <a:ext cx="1400370" cy="857371"/>
+          </a:xfrm>
+          <a:prstGeom prst="rect">
+            <a:avLst/>
+          </a:prstGeom>
+        </p:spPr>
+      </p:pic>
+      <p:pic>
+        <p:nvPicPr>
+          <p:cNvPr id="13" name="Picture 12"/>
+          <p:cNvPicPr>
+            <a:picLocks noChangeAspect="1"/>
+          </p:cNvPicPr>
+          <p:nvPr/>
+        </p:nvPicPr>
+        <p:blipFill>
+          <a:blip r:embed="rId5">
+            <a:extLst>
+              <a:ext uri="{28A0092B-C50C-407E-A947-70E740481C1C}">
+                <a14:useLocalDpi xmlns:a14="http://schemas.microsoft.com/office/drawing/2010/main" val="0"/>
+              </a:ext>
+            </a:extLst>
+          </a:blip>
+          <a:stretch>
+            <a:fillRect/>
+          </a:stretch>
+        </p:blipFill>
+        <p:spPr>
+          <a:xfrm>
+            <a:off x="7596336" y="3344621"/>
+            <a:ext cx="1400370" cy="857371"/>
+          </a:xfrm>
+          <a:prstGeom prst="rect">
+            <a:avLst/>
+          </a:prstGeom>
+        </p:spPr>
+      </p:pic>
+      <p:sp>
+        <p:nvSpPr>
+          <p:cNvPr id="16" name="Cloud 15"/>
+          <p:cNvSpPr/>
+          <p:nvPr/>
+        </p:nvSpPr>
+        <p:spPr>
+          <a:xfrm>
+            <a:off x="4211960" y="3023450"/>
+            <a:ext cx="2376940" cy="2147764"/>
+          </a:xfrm>
+          <a:prstGeom prst="cloud">
+            <a:avLst/>
+          </a:prstGeom>
+          <a:solidFill>
+            <a:schemeClr val="bg1"/>
+          </a:solidFill>
+          <a:ln>
+            <a:solidFill>
+              <a:schemeClr val="accent2">
+                <a:lumMod val="50000"/>
+              </a:schemeClr>
+            </a:solidFill>
+          </a:ln>
+        </p:spPr>
+        <p:style>
+          <a:lnRef idx="2">
+            <a:schemeClr val="accent1">
+              <a:shade val="50000"/>
+            </a:schemeClr>
+          </a:lnRef>
+          <a:fillRef idx="1">
+            <a:schemeClr val="accent1"/>
+          </a:fillRef>
+          <a:effectRef idx="0">
+            <a:schemeClr val="accent1"/>
+          </a:effectRef>
+          <a:fontRef idx="minor">
+            <a:schemeClr val="lt1"/>
+          </a:fontRef>
+        </p:style>
+        <p:txBody>
+          <a:bodyPr rtlCol="0" anchor="ctr"/>
+          <a:lstStyle/>
+          <a:p>
+            <a:r>
+              <a:rPr lang="en-US" sz="1801" b="1" dirty="0">
+                <a:solidFill>
+                  <a:schemeClr val="accent2">
+                    <a:lumMod val="50000"/>
+                  </a:schemeClr>
+                </a:solidFill>
+              </a:rPr>
+              <a:t>Business Logic</a:t>
+            </a:r>
+          </a:p>
+          <a:p>
+            <a:pPr marL="342904" indent="-342904">
+              <a:buAutoNum type="arabicPeriod"/>
+            </a:pPr>
+            <a:r>
+              <a:rPr lang="en-US" sz="1801" b="1" dirty="0">
+                <a:solidFill>
+                  <a:schemeClr val="accent2">
+                    <a:lumMod val="50000"/>
+                  </a:schemeClr>
+                </a:solidFill>
+              </a:rPr>
+              <a:t>PHP</a:t>
+            </a:r>
+          </a:p>
+          <a:p>
+            <a:pPr marL="342904" indent="-342904">
+              <a:buAutoNum type="arabicPeriod"/>
+            </a:pPr>
+            <a:r>
+              <a:rPr lang="en-US" sz="1801" b="1" dirty="0">
+                <a:solidFill>
+                  <a:schemeClr val="accent2">
+                    <a:lumMod val="50000"/>
+                  </a:schemeClr>
+                </a:solidFill>
+              </a:rPr>
+              <a:t>CGI</a:t>
+            </a:r>
+          </a:p>
+          <a:p>
+            <a:pPr marL="342904" indent="-342904">
+              <a:buAutoNum type="arabicPeriod"/>
+            </a:pPr>
+            <a:r>
+              <a:rPr lang="en-US" sz="1801" b="1" dirty="0">
+                <a:solidFill>
+                  <a:schemeClr val="accent2">
+                    <a:lumMod val="50000"/>
+                  </a:schemeClr>
+                </a:solidFill>
+              </a:rPr>
+              <a:t>ASP </a:t>
+            </a:r>
+            <a:r>
+              <a:rPr lang="en-US" sz="1801" b="1" dirty="0" err="1">
+                <a:solidFill>
+                  <a:schemeClr val="accent2">
+                    <a:lumMod val="50000"/>
+                  </a:schemeClr>
+                </a:solidFill>
+              </a:rPr>
+              <a:t>.Net</a:t>
+            </a:r>
+            <a:endParaRPr lang="en-US" sz="1801" b="1" dirty="0">
+              <a:solidFill>
+                <a:schemeClr val="accent2">
+                  <a:lumMod val="50000"/>
+                </a:schemeClr>
+              </a:solidFill>
+            </a:endParaRPr>
+          </a:p>
+          <a:p>
+            <a:pPr marL="342904" indent="-342904">
+              <a:buAutoNum type="arabicPeriod"/>
+            </a:pPr>
+            <a:r>
+              <a:rPr lang="en-US" sz="1801" b="1" u="sng" dirty="0">
+                <a:solidFill>
+                  <a:schemeClr val="accent2">
+                    <a:lumMod val="50000"/>
+                  </a:schemeClr>
+                </a:solidFill>
+              </a:rPr>
+              <a:t>J2EE</a:t>
+            </a:r>
+          </a:p>
+        </p:txBody>
+      </p:sp>
+      <p:sp>
+        <p:nvSpPr>
+          <p:cNvPr id="17" name="TextBox 16"/>
+          <p:cNvSpPr txBox="1"/>
+          <p:nvPr/>
+        </p:nvSpPr>
+        <p:spPr>
+          <a:xfrm>
+            <a:off x="701462" y="268694"/>
+            <a:ext cx="1139543" cy="369460"/>
+          </a:xfrm>
+          <a:prstGeom prst="rect">
+            <a:avLst/>
+          </a:prstGeom>
+          <a:noFill/>
+        </p:spPr>
+        <p:txBody>
+          <a:bodyPr wrap="none" rtlCol="0">
+            <a:spAutoFit/>
+          </a:bodyPr>
+          <a:lstStyle/>
+          <a:p>
+            <a:r>
+              <a:rPr lang="en-US" sz="1801" dirty="0"/>
+              <a:t>Client Tier</a:t>
+            </a:r>
+          </a:p>
+        </p:txBody>
+      </p:sp>
+      <p:sp>
+        <p:nvSpPr>
+          <p:cNvPr id="18" name="TextBox 17"/>
+          <p:cNvSpPr txBox="1"/>
+          <p:nvPr/>
+        </p:nvSpPr>
+        <p:spPr>
+          <a:xfrm>
+            <a:off x="4679616" y="268694"/>
+            <a:ext cx="1404552" cy="369460"/>
+          </a:xfrm>
+          <a:prstGeom prst="rect">
+            <a:avLst/>
+          </a:prstGeom>
+          <a:noFill/>
+        </p:spPr>
+        <p:txBody>
+          <a:bodyPr wrap="none" rtlCol="0">
+            <a:spAutoFit/>
+          </a:bodyPr>
+          <a:lstStyle/>
+          <a:p>
+            <a:r>
+              <a:rPr lang="en-US" sz="1801" dirty="0"/>
+              <a:t>Business Tier</a:t>
+            </a:r>
+          </a:p>
+        </p:txBody>
+      </p:sp>
+      <p:sp>
+        <p:nvSpPr>
+          <p:cNvPr id="19" name="TextBox 18"/>
+          <p:cNvSpPr txBox="1"/>
+          <p:nvPr/>
+        </p:nvSpPr>
+        <p:spPr>
+          <a:xfrm>
+            <a:off x="7256919" y="260648"/>
+            <a:ext cx="1471750" cy="369460"/>
+          </a:xfrm>
+          <a:prstGeom prst="rect">
+            <a:avLst/>
+          </a:prstGeom>
+          <a:noFill/>
+        </p:spPr>
+        <p:txBody>
+          <a:bodyPr wrap="none" rtlCol="0">
+            <a:spAutoFit/>
+          </a:bodyPr>
+          <a:lstStyle/>
+          <a:p>
+            <a:r>
+              <a:rPr lang="en-US" sz="1801" dirty="0"/>
+              <a:t>Database Tier</a:t>
+            </a:r>
+          </a:p>
+        </p:txBody>
+      </p:sp>
+      <p:cxnSp>
+        <p:nvCxnSpPr>
+          <p:cNvPr id="21" name="Straight Arrow Connector 20"/>
+          <p:cNvCxnSpPr/>
+          <p:nvPr/>
+        </p:nvCxnSpPr>
+        <p:spPr>
+          <a:xfrm flipV="1">
+            <a:off x="1239309" y="2521561"/>
+            <a:ext cx="2540604" cy="2"/>
+          </a:xfrm>
+          <a:prstGeom prst="straightConnector1">
+            <a:avLst/>
+          </a:prstGeom>
+          <a:ln>
+            <a:tailEnd type="triangle"/>
+          </a:ln>
+        </p:spPr>
+        <p:style>
+          <a:lnRef idx="3">
+            <a:schemeClr val="accent1"/>
+          </a:lnRef>
+          <a:fillRef idx="0">
+            <a:schemeClr val="accent1"/>
+          </a:fillRef>
+          <a:effectRef idx="2">
+            <a:schemeClr val="accent1"/>
+          </a:effectRef>
+          <a:fontRef idx="minor">
+            <a:schemeClr val="tx1"/>
+          </a:fontRef>
+        </p:style>
+      </p:cxnSp>
+      <p:sp>
+        <p:nvSpPr>
+          <p:cNvPr id="22" name="Flowchart: Connector 21"/>
+          <p:cNvSpPr/>
+          <p:nvPr/>
+        </p:nvSpPr>
+        <p:spPr>
+          <a:xfrm>
+            <a:off x="1396489" y="2698884"/>
+            <a:ext cx="331959" cy="345502"/>
+          </a:xfrm>
+          <a:prstGeom prst="flowChartConnector">
+            <a:avLst/>
+          </a:prstGeom>
+          <a:noFill/>
+        </p:spPr>
+        <p:style>
+          <a:lnRef idx="2">
+            <a:schemeClr val="accent1"/>
+          </a:lnRef>
+          <a:fillRef idx="1">
+            <a:schemeClr val="lt1"/>
+          </a:fillRef>
+          <a:effectRef idx="0">
+            <a:schemeClr val="accent1"/>
+          </a:effectRef>
+          <a:fontRef idx="minor">
+            <a:schemeClr val="dk1"/>
+          </a:fontRef>
+        </p:style>
+        <p:txBody>
+          <a:bodyPr rtlCol="0" anchor="ctr"/>
+          <a:lstStyle/>
+          <a:p>
+            <a:pPr algn="ctr"/>
+            <a:r>
+              <a:rPr lang="en-US" sz="1801" dirty="0"/>
+              <a:t>1</a:t>
+            </a:r>
+            <a:endParaRPr lang="en-IN" sz="1801" dirty="0"/>
+          </a:p>
+        </p:txBody>
+      </p:sp>
+      <p:sp>
+        <p:nvSpPr>
+          <p:cNvPr id="23" name="TextBox 22"/>
+          <p:cNvSpPr txBox="1"/>
+          <p:nvPr/>
+        </p:nvSpPr>
+        <p:spPr>
+          <a:xfrm>
+            <a:off x="1706000" y="2517085"/>
+            <a:ext cx="1696747" cy="369460"/>
+          </a:xfrm>
+          <a:prstGeom prst="rect">
+            <a:avLst/>
+          </a:prstGeom>
+          <a:noFill/>
+        </p:spPr>
+        <p:txBody>
+          <a:bodyPr wrap="none" rtlCol="0">
+            <a:spAutoFit/>
+          </a:bodyPr>
+          <a:lstStyle/>
+          <a:p>
+            <a:r>
+              <a:rPr lang="en-US" sz="1801" dirty="0"/>
+              <a:t>www.gmail.com</a:t>
+            </a:r>
+          </a:p>
+        </p:txBody>
+      </p:sp>
+      <p:cxnSp>
+        <p:nvCxnSpPr>
+          <p:cNvPr id="26" name="Straight Arrow Connector 25"/>
+          <p:cNvCxnSpPr/>
+          <p:nvPr/>
+        </p:nvCxnSpPr>
+        <p:spPr>
+          <a:xfrm flipH="1">
+            <a:off x="1239309" y="3189427"/>
+            <a:ext cx="2523828" cy="0"/>
+          </a:xfrm>
+          <a:prstGeom prst="straightConnector1">
+            <a:avLst/>
+          </a:prstGeom>
+          <a:ln>
+            <a:tailEnd type="triangle"/>
+          </a:ln>
+        </p:spPr>
+        <p:style>
+          <a:lnRef idx="3">
+            <a:schemeClr val="accent1"/>
+          </a:lnRef>
+          <a:fillRef idx="0">
+            <a:schemeClr val="accent1"/>
+          </a:fillRef>
+          <a:effectRef idx="2">
+            <a:schemeClr val="accent1"/>
+          </a:effectRef>
+          <a:fontRef idx="minor">
+            <a:schemeClr val="tx1"/>
+          </a:fontRef>
+        </p:style>
+      </p:cxnSp>
+      <p:sp>
+        <p:nvSpPr>
+          <p:cNvPr id="27" name="TextBox 26"/>
+          <p:cNvSpPr txBox="1"/>
+          <p:nvPr/>
+        </p:nvSpPr>
+        <p:spPr>
+          <a:xfrm>
+            <a:off x="1782347" y="2871631"/>
+            <a:ext cx="1187697" cy="369460"/>
+          </a:xfrm>
+          <a:prstGeom prst="rect">
+            <a:avLst/>
+          </a:prstGeom>
+          <a:noFill/>
+        </p:spPr>
+        <p:txBody>
+          <a:bodyPr wrap="none" rtlCol="0">
+            <a:spAutoFit/>
+          </a:bodyPr>
+          <a:lstStyle/>
+          <a:p>
+            <a:r>
+              <a:rPr lang="en-US" sz="1801" dirty="0"/>
+              <a:t>Login Page</a:t>
+            </a:r>
+          </a:p>
+        </p:txBody>
+      </p:sp>
+      <p:cxnSp>
+        <p:nvCxnSpPr>
+          <p:cNvPr id="28" name="Straight Arrow Connector 27"/>
+          <p:cNvCxnSpPr/>
+          <p:nvPr/>
+        </p:nvCxnSpPr>
+        <p:spPr>
+          <a:xfrm flipV="1">
+            <a:off x="1259632" y="4062007"/>
+            <a:ext cx="2540604" cy="2"/>
+          </a:xfrm>
+          <a:prstGeom prst="straightConnector1">
+            <a:avLst/>
+          </a:prstGeom>
+          <a:ln>
+            <a:tailEnd type="triangle"/>
+          </a:ln>
+        </p:spPr>
+        <p:style>
+          <a:lnRef idx="3">
+            <a:schemeClr val="accent1"/>
+          </a:lnRef>
+          <a:fillRef idx="0">
+            <a:schemeClr val="accent1"/>
+          </a:fillRef>
+          <a:effectRef idx="2">
+            <a:schemeClr val="accent1"/>
+          </a:effectRef>
+          <a:fontRef idx="minor">
+            <a:schemeClr val="tx1"/>
+          </a:fontRef>
+        </p:style>
+      </p:cxnSp>
+      <p:sp>
+        <p:nvSpPr>
+          <p:cNvPr id="29" name="Flowchart: Connector 28"/>
+          <p:cNvSpPr/>
+          <p:nvPr/>
+        </p:nvSpPr>
+        <p:spPr>
+          <a:xfrm>
+            <a:off x="1416813" y="4163104"/>
+            <a:ext cx="331959" cy="345502"/>
+          </a:xfrm>
+          <a:prstGeom prst="flowChartConnector">
+            <a:avLst/>
+          </a:prstGeom>
+          <a:noFill/>
+        </p:spPr>
+        <p:style>
+          <a:lnRef idx="2">
+            <a:schemeClr val="accent1"/>
+          </a:lnRef>
+          <a:fillRef idx="1">
+            <a:schemeClr val="lt1"/>
+          </a:fillRef>
+          <a:effectRef idx="0">
+            <a:schemeClr val="accent1"/>
+          </a:effectRef>
+          <a:fontRef idx="minor">
+            <a:schemeClr val="dk1"/>
+          </a:fontRef>
+        </p:style>
+        <p:txBody>
+          <a:bodyPr rtlCol="0" anchor="ctr"/>
+          <a:lstStyle/>
+          <a:p>
+            <a:pPr algn="ctr"/>
+            <a:r>
+              <a:rPr lang="en-US" sz="1801" dirty="0"/>
+              <a:t>2</a:t>
+            </a:r>
+            <a:endParaRPr lang="en-IN" sz="1801" dirty="0"/>
+          </a:p>
+        </p:txBody>
+      </p:sp>
+      <p:sp>
+        <p:nvSpPr>
+          <p:cNvPr id="30" name="TextBox 29"/>
+          <p:cNvSpPr txBox="1"/>
+          <p:nvPr/>
+        </p:nvSpPr>
+        <p:spPr>
+          <a:xfrm>
+            <a:off x="1615584" y="3687323"/>
+            <a:ext cx="2019977" cy="369460"/>
+          </a:xfrm>
+          <a:prstGeom prst="rect">
+            <a:avLst/>
+          </a:prstGeom>
+          <a:noFill/>
+        </p:spPr>
+        <p:txBody>
+          <a:bodyPr wrap="none" rtlCol="0">
+            <a:spAutoFit/>
+          </a:bodyPr>
+          <a:lstStyle/>
+          <a:p>
+            <a:r>
+              <a:rPr lang="en-US" sz="1801" dirty="0"/>
+              <a:t>User ID &amp; Password</a:t>
+            </a:r>
+          </a:p>
+        </p:txBody>
+      </p:sp>
+      <p:cxnSp>
+        <p:nvCxnSpPr>
+          <p:cNvPr id="31" name="Straight Arrow Connector 30"/>
+          <p:cNvCxnSpPr/>
+          <p:nvPr/>
+        </p:nvCxnSpPr>
+        <p:spPr>
+          <a:xfrm flipH="1">
+            <a:off x="1259633" y="4595149"/>
+            <a:ext cx="2523828" cy="0"/>
+          </a:xfrm>
+          <a:prstGeom prst="straightConnector1">
+            <a:avLst/>
+          </a:prstGeom>
+          <a:ln>
+            <a:tailEnd type="triangle"/>
+          </a:ln>
+        </p:spPr>
+        <p:style>
+          <a:lnRef idx="3">
+            <a:schemeClr val="accent1"/>
+          </a:lnRef>
+          <a:fillRef idx="0">
+            <a:schemeClr val="accent1"/>
+          </a:fillRef>
+          <a:effectRef idx="2">
+            <a:schemeClr val="accent1"/>
+          </a:effectRef>
+          <a:fontRef idx="minor">
+            <a:schemeClr val="tx1"/>
+          </a:fontRef>
+        </p:style>
+      </p:cxnSp>
+      <p:sp>
+        <p:nvSpPr>
+          <p:cNvPr id="32" name="TextBox 31"/>
+          <p:cNvSpPr txBox="1"/>
+          <p:nvPr/>
+        </p:nvSpPr>
+        <p:spPr>
+          <a:xfrm>
+            <a:off x="1479813" y="4595151"/>
+            <a:ext cx="2103012" cy="923714"/>
+          </a:xfrm>
+          <a:prstGeom prst="rect">
+            <a:avLst/>
+          </a:prstGeom>
+          <a:noFill/>
+        </p:spPr>
+        <p:txBody>
+          <a:bodyPr wrap="none" rtlCol="0">
+            <a:spAutoFit/>
+          </a:bodyPr>
+          <a:lstStyle/>
+          <a:p>
+            <a:pPr marL="342904" indent="-342904">
+              <a:buAutoNum type="arabicPeriod"/>
+            </a:pPr>
+            <a:r>
+              <a:rPr lang="en-US" sz="1801" dirty="0"/>
+              <a:t>Inbox Page</a:t>
+            </a:r>
+          </a:p>
+          <a:p>
+            <a:pPr marL="342904" indent="-342904">
+              <a:buAutoNum type="arabicPeriod"/>
+            </a:pPr>
+            <a:r>
+              <a:rPr lang="en-US" sz="1801" dirty="0"/>
+              <a:t>Login Page along</a:t>
+            </a:r>
+          </a:p>
+          <a:p>
+            <a:r>
+              <a:rPr lang="en-US" sz="1801" dirty="0"/>
+              <a:t>      with Error Info</a:t>
+            </a:r>
+          </a:p>
+        </p:txBody>
+      </p:sp>
+      <p:pic>
+        <p:nvPicPr>
+          <p:cNvPr id="33" name="Picture 32"/>
+          <p:cNvPicPr>
+            <a:picLocks noChangeAspect="1"/>
+          </p:cNvPicPr>
+          <p:nvPr/>
+        </p:nvPicPr>
+        <p:blipFill>
+          <a:blip r:embed="rId5">
+            <a:extLst>
+              <a:ext uri="{28A0092B-C50C-407E-A947-70E740481C1C}">
+                <a14:useLocalDpi xmlns:a14="http://schemas.microsoft.com/office/drawing/2010/main" val="0"/>
+              </a:ext>
+            </a:extLst>
+          </a:blip>
+          <a:stretch>
+            <a:fillRect/>
+          </a:stretch>
+        </p:blipFill>
+        <p:spPr>
+          <a:xfrm>
+            <a:off x="7596336" y="5205693"/>
+            <a:ext cx="1400370" cy="857371"/>
+          </a:xfrm>
+          <a:prstGeom prst="rect">
+            <a:avLst/>
+          </a:prstGeom>
+        </p:spPr>
+      </p:pic>
+      <p:sp>
+        <p:nvSpPr>
+          <p:cNvPr id="34" name="TextBox 33"/>
+          <p:cNvSpPr txBox="1"/>
+          <p:nvPr/>
+        </p:nvSpPr>
+        <p:spPr>
+          <a:xfrm>
+            <a:off x="7736880" y="2329547"/>
+            <a:ext cx="1165704" cy="369460"/>
+          </a:xfrm>
+          <a:prstGeom prst="rect">
+            <a:avLst/>
+          </a:prstGeom>
+          <a:noFill/>
+        </p:spPr>
+        <p:txBody>
+          <a:bodyPr wrap="none" rtlCol="0">
+            <a:spAutoFit/>
+          </a:bodyPr>
+          <a:lstStyle/>
+          <a:p>
+            <a:r>
+              <a:rPr lang="en-US" sz="1801" dirty="0"/>
+              <a:t>MySQL DB</a:t>
+            </a:r>
+          </a:p>
+        </p:txBody>
+      </p:sp>
+      <p:sp>
+        <p:nvSpPr>
+          <p:cNvPr id="35" name="TextBox 34"/>
+          <p:cNvSpPr txBox="1"/>
+          <p:nvPr/>
+        </p:nvSpPr>
+        <p:spPr>
+          <a:xfrm>
+            <a:off x="7741693" y="4189789"/>
+            <a:ext cx="1109663" cy="369460"/>
+          </a:xfrm>
+          <a:prstGeom prst="rect">
+            <a:avLst/>
+          </a:prstGeom>
+          <a:noFill/>
+        </p:spPr>
+        <p:txBody>
+          <a:bodyPr wrap="none" rtlCol="0">
+            <a:spAutoFit/>
+          </a:bodyPr>
+          <a:lstStyle/>
+          <a:p>
+            <a:r>
+              <a:rPr lang="en-US" sz="1801" dirty="0"/>
+              <a:t>Oracle DB</a:t>
+            </a:r>
+          </a:p>
+        </p:txBody>
+      </p:sp>
+      <p:sp>
+        <p:nvSpPr>
+          <p:cNvPr id="36" name="TextBox 35"/>
+          <p:cNvSpPr txBox="1"/>
+          <p:nvPr/>
+        </p:nvSpPr>
+        <p:spPr>
+          <a:xfrm>
+            <a:off x="7768617" y="6011995"/>
+            <a:ext cx="1287725" cy="369460"/>
+          </a:xfrm>
+          <a:prstGeom prst="rect">
+            <a:avLst/>
+          </a:prstGeom>
+          <a:noFill/>
+        </p:spPr>
+        <p:txBody>
+          <a:bodyPr wrap="none" rtlCol="0">
+            <a:spAutoFit/>
+          </a:bodyPr>
+          <a:lstStyle/>
+          <a:p>
+            <a:r>
+              <a:rPr lang="en-US" sz="1801" dirty="0"/>
+              <a:t>Informix DB</a:t>
+            </a:r>
+          </a:p>
+        </p:txBody>
+      </p:sp>
+      <p:cxnSp>
+        <p:nvCxnSpPr>
+          <p:cNvPr id="38" name="Straight Arrow Connector 37"/>
+          <p:cNvCxnSpPr>
+            <a:endCxn id="13" idx="1"/>
+          </p:cNvCxnSpPr>
+          <p:nvPr/>
+        </p:nvCxnSpPr>
+        <p:spPr>
+          <a:xfrm>
+            <a:off x="6732240" y="3773306"/>
+            <a:ext cx="864096" cy="0"/>
+          </a:xfrm>
+          <a:prstGeom prst="straightConnector1">
+            <a:avLst/>
+          </a:prstGeom>
+          <a:ln>
+            <a:headEnd type="triangle"/>
+            <a:tailEnd type="triangle"/>
+          </a:ln>
+        </p:spPr>
+        <p:style>
+          <a:lnRef idx="3">
+            <a:schemeClr val="accent1"/>
+          </a:lnRef>
+          <a:fillRef idx="0">
+            <a:schemeClr val="accent1"/>
+          </a:fillRef>
+          <a:effectRef idx="2">
+            <a:schemeClr val="accent1"/>
+          </a:effectRef>
+          <a:fontRef idx="minor">
+            <a:schemeClr val="tx1"/>
+          </a:fontRef>
+        </p:style>
+      </p:cxnSp>
+      <p:cxnSp>
+        <p:nvCxnSpPr>
+          <p:cNvPr id="3" name="Straight Arrow Connector 2"/>
+          <p:cNvCxnSpPr>
+            <a:stCxn id="4" idx="2"/>
+            <a:endCxn id="5" idx="0"/>
+          </p:cNvCxnSpPr>
+          <p:nvPr/>
+        </p:nvCxnSpPr>
+        <p:spPr>
+          <a:xfrm>
+            <a:off x="677403" y="2952701"/>
+            <a:ext cx="0" cy="419090"/>
+          </a:xfrm>
+          <a:prstGeom prst="straightConnector1">
+            <a:avLst/>
+          </a:prstGeom>
+          <a:ln>
+            <a:headEnd type="triangle"/>
+            <a:tailEnd type="triangle"/>
+          </a:ln>
+        </p:spPr>
+        <p:style>
+          <a:lnRef idx="2">
+            <a:schemeClr val="accent1"/>
+          </a:lnRef>
+          <a:fillRef idx="0">
+            <a:schemeClr val="accent1"/>
+          </a:fillRef>
+          <a:effectRef idx="1">
+            <a:schemeClr val="accent1"/>
+          </a:effectRef>
+          <a:fontRef idx="minor">
+            <a:schemeClr val="tx1"/>
+          </a:fontRef>
+        </p:style>
+      </p:cxnSp>
+    </p:spTree>
+    <p:extLst>
+      <p:ext uri="{BB962C8B-B14F-4D97-AF65-F5344CB8AC3E}">
+        <p14:creationId xmlns:p14="http://schemas.microsoft.com/office/powerpoint/2010/main" val="1561367606"/>
       </p:ext>
     </p:extLst>
   </p:cSld>
